--- a/doc/report/Báo cáo.pptx
+++ b/doc/report/Báo cáo.pptx
@@ -10,6 +10,9 @@
     <p:sldId id="258" r:id="rId4"/>
     <p:sldId id="259" r:id="rId5"/>
     <p:sldId id="260" r:id="rId6"/>
+    <p:sldId id="262" r:id="rId7"/>
+    <p:sldId id="261" r:id="rId8"/>
+    <p:sldId id="263" r:id="rId9"/>
   </p:sldIdLst>
   <p:sldSz cx="12192000" cy="6858000"/>
   <p:notesSz cx="6858000" cy="9144000"/>
@@ -108,6 +111,11 @@
       </a:defRPr>
     </a:lvl9pPr>
   </p:defaultTextStyle>
+  <p:extLst>
+    <p:ext uri="{EFAFB233-063F-42B5-8137-9DF3F51BA10A}">
+      <p15:sldGuideLst xmlns:p15="http://schemas.microsoft.com/office/powerpoint/2012/main"/>
+    </p:ext>
+  </p:extLst>
 </p:presentation>
 </file>
 
@@ -303,7 +311,7 @@
             <a:fld id="{B61BEF0D-F0BB-DE4B-95CE-6DB70DBA9567}" type="datetimeFigureOut">
               <a:rPr lang="en-US" dirty="0"/>
               <a:pPr/>
-              <a:t>11/13/2014</a:t>
+              <a:t>11/14/2014</a:t>
             </a:fld>
             <a:endParaRPr lang="en-US" dirty="0"/>
           </a:p>
@@ -736,7 +744,7 @@
             <a:fld id="{B61BEF0D-F0BB-DE4B-95CE-6DB70DBA9567}" type="datetimeFigureOut">
               <a:rPr lang="en-US" dirty="0"/>
               <a:pPr/>
-              <a:t>11/13/2014</a:t>
+              <a:t>11/14/2014</a:t>
             </a:fld>
             <a:endParaRPr lang="en-US" dirty="0"/>
           </a:p>
@@ -983,7 +991,7 @@
             <a:fld id="{B61BEF0D-F0BB-DE4B-95CE-6DB70DBA9567}" type="datetimeFigureOut">
               <a:rPr lang="en-US" dirty="0"/>
               <a:pPr/>
-              <a:t>11/13/2014</a:t>
+              <a:t>11/14/2014</a:t>
             </a:fld>
             <a:endParaRPr lang="en-US" dirty="0"/>
           </a:p>
@@ -1288,7 +1296,7 @@
             <a:fld id="{B61BEF0D-F0BB-DE4B-95CE-6DB70DBA9567}" type="datetimeFigureOut">
               <a:rPr lang="en-US" dirty="0"/>
               <a:pPr/>
-              <a:t>11/13/2014</a:t>
+              <a:t>11/14/2014</a:t>
             </a:fld>
             <a:endParaRPr lang="en-US" dirty="0"/>
           </a:p>
@@ -1603,7 +1611,7 @@
             <a:fld id="{B61BEF0D-F0BB-DE4B-95CE-6DB70DBA9567}" type="datetimeFigureOut">
               <a:rPr lang="en-US" dirty="0"/>
               <a:pPr/>
-              <a:t>11/13/2014</a:t>
+              <a:t>11/14/2014</a:t>
             </a:fld>
             <a:endParaRPr lang="en-US" dirty="0"/>
           </a:p>
@@ -1902,7 +1910,7 @@
             <a:fld id="{B61BEF0D-F0BB-DE4B-95CE-6DB70DBA9567}" type="datetimeFigureOut">
               <a:rPr lang="en-US" dirty="0"/>
               <a:pPr/>
-              <a:t>11/13/2014</a:t>
+              <a:t>11/14/2014</a:t>
             </a:fld>
             <a:endParaRPr lang="en-US" dirty="0"/>
           </a:p>
@@ -2266,7 +2274,7 @@
             <a:fld id="{B61BEF0D-F0BB-DE4B-95CE-6DB70DBA9567}" type="datetimeFigureOut">
               <a:rPr lang="en-US" dirty="0"/>
               <a:pPr/>
-              <a:t>11/13/2014</a:t>
+              <a:t>11/14/2014</a:t>
             </a:fld>
             <a:endParaRPr lang="en-US" dirty="0"/>
           </a:p>
@@ -2437,7 +2445,7 @@
             <a:fld id="{B61BEF0D-F0BB-DE4B-95CE-6DB70DBA9567}" type="datetimeFigureOut">
               <a:rPr lang="en-US" dirty="0"/>
               <a:pPr/>
-              <a:t>11/13/2014</a:t>
+              <a:t>11/14/2014</a:t>
             </a:fld>
             <a:endParaRPr lang="en-US" dirty="0"/>
           </a:p>
@@ -2614,7 +2622,7 @@
             <a:fld id="{B61BEF0D-F0BB-DE4B-95CE-6DB70DBA9567}" type="datetimeFigureOut">
               <a:rPr lang="en-US" dirty="0"/>
               <a:pPr/>
-              <a:t>11/13/2014</a:t>
+              <a:t>11/14/2014</a:t>
             </a:fld>
             <a:endParaRPr lang="en-US" dirty="0"/>
           </a:p>
@@ -2781,7 +2789,7 @@
             <a:fld id="{B61BEF0D-F0BB-DE4B-95CE-6DB70DBA9567}" type="datetimeFigureOut">
               <a:rPr lang="en-US" dirty="0"/>
               <a:pPr/>
-              <a:t>11/13/2014</a:t>
+              <a:t>11/14/2014</a:t>
             </a:fld>
             <a:endParaRPr lang="en-US" dirty="0"/>
           </a:p>
@@ -3028,7 +3036,7 @@
             <a:fld id="{B61BEF0D-F0BB-DE4B-95CE-6DB70DBA9567}" type="datetimeFigureOut">
               <a:rPr lang="en-US" dirty="0"/>
               <a:pPr/>
-              <a:t>11/13/2014</a:t>
+              <a:t>11/14/2014</a:t>
             </a:fld>
             <a:endParaRPr lang="en-US" dirty="0"/>
           </a:p>
@@ -3261,7 +3269,7 @@
             <a:fld id="{B61BEF0D-F0BB-DE4B-95CE-6DB70DBA9567}" type="datetimeFigureOut">
               <a:rPr lang="en-US" dirty="0"/>
               <a:pPr/>
-              <a:t>11/13/2014</a:t>
+              <a:t>11/14/2014</a:t>
             </a:fld>
             <a:endParaRPr lang="en-US" dirty="0"/>
           </a:p>
@@ -3640,7 +3648,7 @@
             <a:fld id="{B61BEF0D-F0BB-DE4B-95CE-6DB70DBA9567}" type="datetimeFigureOut">
               <a:rPr lang="en-US" dirty="0"/>
               <a:pPr/>
-              <a:t>11/13/2014</a:t>
+              <a:t>11/14/2014</a:t>
             </a:fld>
             <a:endParaRPr lang="en-US" dirty="0"/>
           </a:p>
@@ -3755,7 +3763,7 @@
             <a:fld id="{B61BEF0D-F0BB-DE4B-95CE-6DB70DBA9567}" type="datetimeFigureOut">
               <a:rPr lang="en-US" dirty="0"/>
               <a:pPr/>
-              <a:t>11/13/2014</a:t>
+              <a:t>11/14/2014</a:t>
             </a:fld>
             <a:endParaRPr lang="en-US" dirty="0"/>
           </a:p>
@@ -3847,7 +3855,7 @@
             <a:fld id="{B61BEF0D-F0BB-DE4B-95CE-6DB70DBA9567}" type="datetimeFigureOut">
               <a:rPr lang="en-US" dirty="0"/>
               <a:pPr/>
-              <a:t>11/13/2014</a:t>
+              <a:t>11/14/2014</a:t>
             </a:fld>
             <a:endParaRPr lang="en-US" dirty="0"/>
           </a:p>
@@ -4099,7 +4107,7 @@
             <a:fld id="{B61BEF0D-F0BB-DE4B-95CE-6DB70DBA9567}" type="datetimeFigureOut">
               <a:rPr lang="en-US" dirty="0"/>
               <a:pPr/>
-              <a:t>11/13/2014</a:t>
+              <a:t>11/14/2014</a:t>
             </a:fld>
             <a:endParaRPr lang="en-US" dirty="0"/>
           </a:p>
@@ -4379,7 +4387,7 @@
             <a:fld id="{B61BEF0D-F0BB-DE4B-95CE-6DB70DBA9567}" type="datetimeFigureOut">
               <a:rPr lang="en-US" dirty="0"/>
               <a:pPr/>
-              <a:t>11/13/2014</a:t>
+              <a:t>11/14/2014</a:t>
             </a:fld>
             <a:endParaRPr lang="en-US" dirty="0"/>
           </a:p>
@@ -4782,7 +4790,7 @@
             <a:fld id="{B61BEF0D-F0BB-DE4B-95CE-6DB70DBA9567}" type="datetimeFigureOut">
               <a:rPr lang="en-US" dirty="0"/>
               <a:pPr/>
-              <a:t>11/13/2014</a:t>
+              <a:t>11/14/2014</a:t>
             </a:fld>
             <a:endParaRPr lang="en-US" dirty="0"/>
           </a:p>
@@ -6750,13 +6758,6 @@
               </a:rPr>
               <a:t>	1111345</a:t>
             </a:r>
-            <a:endParaRPr lang="en-US" sz="2000" b="1" dirty="0" smtClean="0">
-              <a:solidFill>
-                <a:srgbClr val="002060"/>
-              </a:solidFill>
-              <a:latin typeface="Times New Roman" panose="02020603050405020304" pitchFamily="18" charset="0"/>
-              <a:cs typeface="Times New Roman" panose="02020603050405020304" pitchFamily="18" charset="0"/>
-            </a:endParaRPr>
           </a:p>
         </p:txBody>
       </p:sp>
@@ -6770,13 +6771,13 @@
   <p:clrMapOvr>
     <a:masterClrMapping/>
   </p:clrMapOvr>
-  <mc:AlternateContent xmlns:mc="http://schemas.openxmlformats.org/markup-compatibility/2006">
-    <mc:Choice xmlns:p14="http://schemas.microsoft.com/office/powerpoint/2010/main" Requires="p14">
+  <mc:AlternateContent xmlns:mc="http://schemas.openxmlformats.org/markup-compatibility/2006" xmlns:p14="http://schemas.microsoft.com/office/powerpoint/2010/main">
+    <mc:Choice Requires="p14">
       <p:transition spd="med" p14:dur="700">
         <p:fade/>
       </p:transition>
     </mc:Choice>
-    <mc:Fallback>
+    <mc:Fallback xmlns="">
       <p:transition spd="med">
         <p:fade/>
       </p:transition>
@@ -10323,7 +10324,287 @@
               <a:t>hơn</a:t>
             </a:r>
             <a:r>
-              <a:rPr lang="en-US" sz="2500" smtClean="0">
+              <a:rPr lang="en-US" sz="2500" dirty="0" smtClean="0">
+                <a:solidFill>
+                  <a:schemeClr val="tx1"/>
+                </a:solidFill>
+                <a:latin typeface="Times New Roman" panose="02020603050405020304" pitchFamily="18" charset="0"/>
+                <a:cs typeface="Times New Roman" panose="02020603050405020304" pitchFamily="18" charset="0"/>
+              </a:rPr>
+              <a:t>. </a:t>
+            </a:r>
+            <a:r>
+              <a:rPr lang="en-US" sz="2500" dirty="0" err="1" smtClean="0">
+                <a:solidFill>
+                  <a:schemeClr val="tx1"/>
+                </a:solidFill>
+                <a:latin typeface="Times New Roman" panose="02020603050405020304" pitchFamily="18" charset="0"/>
+                <a:cs typeface="Times New Roman" panose="02020603050405020304" pitchFamily="18" charset="0"/>
+              </a:rPr>
+              <a:t>Tối</a:t>
+            </a:r>
+            <a:r>
+              <a:rPr lang="en-US" sz="2500" dirty="0" smtClean="0">
+                <a:solidFill>
+                  <a:schemeClr val="tx1"/>
+                </a:solidFill>
+                <a:latin typeface="Times New Roman" panose="02020603050405020304" pitchFamily="18" charset="0"/>
+                <a:cs typeface="Times New Roman" panose="02020603050405020304" pitchFamily="18" charset="0"/>
+              </a:rPr>
+              <a:t> </a:t>
+            </a:r>
+            <a:r>
+              <a:rPr lang="en-US" sz="2500" dirty="0" err="1" smtClean="0">
+                <a:solidFill>
+                  <a:schemeClr val="tx1"/>
+                </a:solidFill>
+                <a:latin typeface="Times New Roman" panose="02020603050405020304" pitchFamily="18" charset="0"/>
+                <a:cs typeface="Times New Roman" panose="02020603050405020304" pitchFamily="18" charset="0"/>
+              </a:rPr>
+              <a:t>ưu</a:t>
+            </a:r>
+            <a:r>
+              <a:rPr lang="en-US" sz="2500" dirty="0" smtClean="0">
+                <a:solidFill>
+                  <a:schemeClr val="tx1"/>
+                </a:solidFill>
+                <a:latin typeface="Times New Roman" panose="02020603050405020304" pitchFamily="18" charset="0"/>
+                <a:cs typeface="Times New Roman" panose="02020603050405020304" pitchFamily="18" charset="0"/>
+              </a:rPr>
+              <a:t> </a:t>
+            </a:r>
+            <a:r>
+              <a:rPr lang="en-US" sz="2500" dirty="0" err="1" smtClean="0">
+                <a:solidFill>
+                  <a:schemeClr val="tx1"/>
+                </a:solidFill>
+                <a:latin typeface="Times New Roman" panose="02020603050405020304" pitchFamily="18" charset="0"/>
+                <a:cs typeface="Times New Roman" panose="02020603050405020304" pitchFamily="18" charset="0"/>
+              </a:rPr>
+              <a:t>tốc</a:t>
+            </a:r>
+            <a:r>
+              <a:rPr lang="en-US" sz="2500" dirty="0" smtClean="0">
+                <a:solidFill>
+                  <a:schemeClr val="tx1"/>
+                </a:solidFill>
+                <a:latin typeface="Times New Roman" panose="02020603050405020304" pitchFamily="18" charset="0"/>
+                <a:cs typeface="Times New Roman" panose="02020603050405020304" pitchFamily="18" charset="0"/>
+              </a:rPr>
+              <a:t> </a:t>
+            </a:r>
+            <a:r>
+              <a:rPr lang="en-US" sz="2500" dirty="0" err="1" smtClean="0">
+                <a:solidFill>
+                  <a:schemeClr val="tx1"/>
+                </a:solidFill>
+                <a:latin typeface="Times New Roman" panose="02020603050405020304" pitchFamily="18" charset="0"/>
+                <a:cs typeface="Times New Roman" panose="02020603050405020304" pitchFamily="18" charset="0"/>
+              </a:rPr>
+              <a:t>độ</a:t>
+            </a:r>
+            <a:r>
+              <a:rPr lang="en-US" sz="2500" dirty="0" smtClean="0">
+                <a:solidFill>
+                  <a:schemeClr val="tx1"/>
+                </a:solidFill>
+                <a:latin typeface="Times New Roman" panose="02020603050405020304" pitchFamily="18" charset="0"/>
+                <a:cs typeface="Times New Roman" panose="02020603050405020304" pitchFamily="18" charset="0"/>
+              </a:rPr>
+              <a:t> </a:t>
+            </a:r>
+            <a:r>
+              <a:rPr lang="en-US" sz="2500" dirty="0" err="1" smtClean="0">
+                <a:solidFill>
+                  <a:schemeClr val="tx1"/>
+                </a:solidFill>
+                <a:latin typeface="Times New Roman" panose="02020603050405020304" pitchFamily="18" charset="0"/>
+                <a:cs typeface="Times New Roman" panose="02020603050405020304" pitchFamily="18" charset="0"/>
+              </a:rPr>
+              <a:t>thực</a:t>
+            </a:r>
+            <a:r>
+              <a:rPr lang="en-US" sz="2500" dirty="0" smtClean="0">
+                <a:solidFill>
+                  <a:schemeClr val="tx1"/>
+                </a:solidFill>
+                <a:latin typeface="Times New Roman" panose="02020603050405020304" pitchFamily="18" charset="0"/>
+                <a:cs typeface="Times New Roman" panose="02020603050405020304" pitchFamily="18" charset="0"/>
+              </a:rPr>
+              <a:t> </a:t>
+            </a:r>
+            <a:r>
+              <a:rPr lang="en-US" sz="2500" dirty="0" err="1" smtClean="0">
+                <a:solidFill>
+                  <a:schemeClr val="tx1"/>
+                </a:solidFill>
+                <a:latin typeface="Times New Roman" panose="02020603050405020304" pitchFamily="18" charset="0"/>
+                <a:cs typeface="Times New Roman" panose="02020603050405020304" pitchFamily="18" charset="0"/>
+              </a:rPr>
+              <a:t>thi</a:t>
+            </a:r>
+            <a:r>
+              <a:rPr lang="en-US" sz="2500" dirty="0" smtClean="0">
+                <a:solidFill>
+                  <a:schemeClr val="tx1"/>
+                </a:solidFill>
+                <a:latin typeface="Times New Roman" panose="02020603050405020304" pitchFamily="18" charset="0"/>
+                <a:cs typeface="Times New Roman" panose="02020603050405020304" pitchFamily="18" charset="0"/>
+              </a:rPr>
+              <a:t> </a:t>
+            </a:r>
+            <a:r>
+              <a:rPr lang="en-US" sz="2500" dirty="0" err="1" smtClean="0">
+                <a:solidFill>
+                  <a:schemeClr val="tx1"/>
+                </a:solidFill>
+                <a:latin typeface="Times New Roman" panose="02020603050405020304" pitchFamily="18" charset="0"/>
+                <a:cs typeface="Times New Roman" panose="02020603050405020304" pitchFamily="18" charset="0"/>
+              </a:rPr>
+              <a:t>câu</a:t>
+            </a:r>
+            <a:r>
+              <a:rPr lang="en-US" sz="2500" dirty="0" smtClean="0">
+                <a:solidFill>
+                  <a:schemeClr val="tx1"/>
+                </a:solidFill>
+                <a:latin typeface="Times New Roman" panose="02020603050405020304" pitchFamily="18" charset="0"/>
+                <a:cs typeface="Times New Roman" panose="02020603050405020304" pitchFamily="18" charset="0"/>
+              </a:rPr>
+              <a:t> </a:t>
+            </a:r>
+            <a:r>
+              <a:rPr lang="en-US" sz="2500" dirty="0" err="1" smtClean="0">
+                <a:solidFill>
+                  <a:schemeClr val="tx1"/>
+                </a:solidFill>
+                <a:latin typeface="Times New Roman" panose="02020603050405020304" pitchFamily="18" charset="0"/>
+                <a:cs typeface="Times New Roman" panose="02020603050405020304" pitchFamily="18" charset="0"/>
+              </a:rPr>
+              <a:t>lệnh</a:t>
+            </a:r>
+            <a:r>
+              <a:rPr lang="en-US" sz="2500" dirty="0" smtClean="0">
+                <a:solidFill>
+                  <a:schemeClr val="tx1"/>
+                </a:solidFill>
+                <a:latin typeface="Times New Roman" panose="02020603050405020304" pitchFamily="18" charset="0"/>
+                <a:cs typeface="Times New Roman" panose="02020603050405020304" pitchFamily="18" charset="0"/>
+              </a:rPr>
+              <a:t> </a:t>
+            </a:r>
+            <a:r>
+              <a:rPr lang="en-US" sz="2500" dirty="0" err="1" smtClean="0">
+                <a:solidFill>
+                  <a:schemeClr val="tx1"/>
+                </a:solidFill>
+                <a:latin typeface="Times New Roman" panose="02020603050405020304" pitchFamily="18" charset="0"/>
+                <a:cs typeface="Times New Roman" panose="02020603050405020304" pitchFamily="18" charset="0"/>
+              </a:rPr>
+              <a:t>và</a:t>
+            </a:r>
+            <a:r>
+              <a:rPr lang="en-US" sz="2500" dirty="0" smtClean="0">
+                <a:solidFill>
+                  <a:schemeClr val="tx1"/>
+                </a:solidFill>
+                <a:latin typeface="Times New Roman" panose="02020603050405020304" pitchFamily="18" charset="0"/>
+                <a:cs typeface="Times New Roman" panose="02020603050405020304" pitchFamily="18" charset="0"/>
+              </a:rPr>
+              <a:t> </a:t>
+            </a:r>
+            <a:r>
+              <a:rPr lang="en-US" sz="2500" dirty="0" err="1" smtClean="0">
+                <a:solidFill>
+                  <a:schemeClr val="tx1"/>
+                </a:solidFill>
+                <a:latin typeface="Times New Roman" panose="02020603050405020304" pitchFamily="18" charset="0"/>
+                <a:cs typeface="Times New Roman" panose="02020603050405020304" pitchFamily="18" charset="0"/>
+              </a:rPr>
+              <a:t>biểu</a:t>
+            </a:r>
+            <a:r>
+              <a:rPr lang="en-US" sz="2500" dirty="0" smtClean="0">
+                <a:solidFill>
+                  <a:schemeClr val="tx1"/>
+                </a:solidFill>
+                <a:latin typeface="Times New Roman" panose="02020603050405020304" pitchFamily="18" charset="0"/>
+                <a:cs typeface="Times New Roman" panose="02020603050405020304" pitchFamily="18" charset="0"/>
+              </a:rPr>
+              <a:t> </a:t>
+            </a:r>
+            <a:r>
+              <a:rPr lang="en-US" sz="2500" dirty="0" err="1" smtClean="0">
+                <a:solidFill>
+                  <a:schemeClr val="tx1"/>
+                </a:solidFill>
+                <a:latin typeface="Times New Roman" panose="02020603050405020304" pitchFamily="18" charset="0"/>
+                <a:cs typeface="Times New Roman" panose="02020603050405020304" pitchFamily="18" charset="0"/>
+              </a:rPr>
+              <a:t>thức</a:t>
+            </a:r>
+            <a:r>
+              <a:rPr lang="en-US" sz="2500" dirty="0" smtClean="0">
+                <a:solidFill>
+                  <a:schemeClr val="tx1"/>
+                </a:solidFill>
+                <a:latin typeface="Times New Roman" panose="02020603050405020304" pitchFamily="18" charset="0"/>
+                <a:cs typeface="Times New Roman" panose="02020603050405020304" pitchFamily="18" charset="0"/>
+              </a:rPr>
+              <a:t> </a:t>
+            </a:r>
+            <a:r>
+              <a:rPr lang="en-US" sz="2500" dirty="0" err="1" smtClean="0">
+                <a:solidFill>
+                  <a:schemeClr val="tx1"/>
+                </a:solidFill>
+                <a:latin typeface="Times New Roman" panose="02020603050405020304" pitchFamily="18" charset="0"/>
+                <a:cs typeface="Times New Roman" panose="02020603050405020304" pitchFamily="18" charset="0"/>
+              </a:rPr>
+              <a:t>chính</a:t>
+            </a:r>
+            <a:r>
+              <a:rPr lang="en-US" sz="2500" dirty="0" smtClean="0">
+                <a:solidFill>
+                  <a:schemeClr val="tx1"/>
+                </a:solidFill>
+                <a:latin typeface="Times New Roman" panose="02020603050405020304" pitchFamily="18" charset="0"/>
+                <a:cs typeface="Times New Roman" panose="02020603050405020304" pitchFamily="18" charset="0"/>
+              </a:rPr>
+              <a:t> qui </a:t>
+            </a:r>
+            <a:r>
+              <a:rPr lang="en-US" sz="2500" dirty="0" err="1" smtClean="0">
+                <a:solidFill>
+                  <a:schemeClr val="tx1"/>
+                </a:solidFill>
+                <a:latin typeface="Times New Roman" panose="02020603050405020304" pitchFamily="18" charset="0"/>
+                <a:cs typeface="Times New Roman" panose="02020603050405020304" pitchFamily="18" charset="0"/>
+              </a:rPr>
+              <a:t>tìm</a:t>
+            </a:r>
+            <a:r>
+              <a:rPr lang="en-US" sz="2500" dirty="0" smtClean="0">
+                <a:solidFill>
+                  <a:schemeClr val="tx1"/>
+                </a:solidFill>
+                <a:latin typeface="Times New Roman" panose="02020603050405020304" pitchFamily="18" charset="0"/>
+                <a:cs typeface="Times New Roman" panose="02020603050405020304" pitchFamily="18" charset="0"/>
+              </a:rPr>
+              <a:t> </a:t>
+            </a:r>
+            <a:r>
+              <a:rPr lang="en-US" sz="2500" dirty="0" err="1" smtClean="0">
+                <a:solidFill>
+                  <a:schemeClr val="tx1"/>
+                </a:solidFill>
+                <a:latin typeface="Times New Roman" panose="02020603050405020304" pitchFamily="18" charset="0"/>
+                <a:cs typeface="Times New Roman" panose="02020603050405020304" pitchFamily="18" charset="0"/>
+              </a:rPr>
+              <a:t>kiếm</a:t>
+            </a:r>
+            <a:r>
+              <a:rPr lang="en-US" sz="2500" dirty="0" smtClean="0">
                 <a:solidFill>
                   <a:schemeClr val="tx1"/>
                 </a:solidFill>
@@ -10332,811 +10613,13 @@
               </a:rPr>
               <a:t>.</a:t>
             </a:r>
-          </a:p>
-          <a:p>
-            <a:pPr marL="914400" lvl="1" indent="-457200" algn="l">
-              <a:buFont typeface="Times New Roman" panose="02020603050405020304" pitchFamily="18" charset="0"/>
-              <a:buChar char="‾"/>
-            </a:pPr>
-            <a:r>
-              <a:rPr lang="en-US" sz="2500" dirty="0" err="1" smtClean="0">
-                <a:solidFill>
-                  <a:schemeClr val="tx1"/>
-                </a:solidFill>
-                <a:latin typeface="Times New Roman" panose="02020603050405020304" pitchFamily="18" charset="0"/>
-                <a:cs typeface="Times New Roman" panose="02020603050405020304" pitchFamily="18" charset="0"/>
-              </a:rPr>
-              <a:t>Tích</a:t>
-            </a:r>
-            <a:r>
-              <a:rPr lang="en-US" sz="2500" dirty="0" smtClean="0">
-                <a:solidFill>
-                  <a:schemeClr val="tx1"/>
-                </a:solidFill>
-                <a:latin typeface="Times New Roman" panose="02020603050405020304" pitchFamily="18" charset="0"/>
-                <a:cs typeface="Times New Roman" panose="02020603050405020304" pitchFamily="18" charset="0"/>
-              </a:rPr>
-              <a:t> </a:t>
-            </a:r>
-            <a:r>
-              <a:rPr lang="en-US" sz="2500" dirty="0" err="1" smtClean="0">
-                <a:solidFill>
-                  <a:schemeClr val="tx1"/>
-                </a:solidFill>
-                <a:latin typeface="Times New Roman" panose="02020603050405020304" pitchFamily="18" charset="0"/>
-                <a:cs typeface="Times New Roman" panose="02020603050405020304" pitchFamily="18" charset="0"/>
-              </a:rPr>
-              <a:t>hợp</a:t>
-            </a:r>
-            <a:r>
-              <a:rPr lang="en-US" sz="2500" dirty="0" smtClean="0">
-                <a:solidFill>
-                  <a:schemeClr val="tx1"/>
-                </a:solidFill>
-                <a:latin typeface="Times New Roman" panose="02020603050405020304" pitchFamily="18" charset="0"/>
-                <a:cs typeface="Times New Roman" panose="02020603050405020304" pitchFamily="18" charset="0"/>
-              </a:rPr>
-              <a:t> </a:t>
-            </a:r>
-            <a:r>
-              <a:rPr lang="en-US" sz="2500" dirty="0" err="1" smtClean="0">
-                <a:solidFill>
-                  <a:schemeClr val="tx1"/>
-                </a:solidFill>
-                <a:latin typeface="Times New Roman" panose="02020603050405020304" pitchFamily="18" charset="0"/>
-                <a:cs typeface="Times New Roman" panose="02020603050405020304" pitchFamily="18" charset="0"/>
-              </a:rPr>
-              <a:t>chức</a:t>
-            </a:r>
-            <a:r>
-              <a:rPr lang="en-US" sz="2500" dirty="0" smtClean="0">
-                <a:solidFill>
-                  <a:schemeClr val="tx1"/>
-                </a:solidFill>
-                <a:latin typeface="Times New Roman" panose="02020603050405020304" pitchFamily="18" charset="0"/>
-                <a:cs typeface="Times New Roman" panose="02020603050405020304" pitchFamily="18" charset="0"/>
-              </a:rPr>
-              <a:t> </a:t>
-            </a:r>
-            <a:r>
-              <a:rPr lang="en-US" sz="2500" dirty="0" err="1" smtClean="0">
-                <a:solidFill>
-                  <a:schemeClr val="tx1"/>
-                </a:solidFill>
-                <a:latin typeface="Times New Roman" panose="02020603050405020304" pitchFamily="18" charset="0"/>
-                <a:cs typeface="Times New Roman" panose="02020603050405020304" pitchFamily="18" charset="0"/>
-              </a:rPr>
-              <a:t>năng</a:t>
-            </a:r>
-            <a:r>
-              <a:rPr lang="en-US" sz="2500" dirty="0" smtClean="0">
-                <a:solidFill>
-                  <a:schemeClr val="tx1"/>
-                </a:solidFill>
-                <a:latin typeface="Times New Roman" panose="02020603050405020304" pitchFamily="18" charset="0"/>
-                <a:cs typeface="Times New Roman" panose="02020603050405020304" pitchFamily="18" charset="0"/>
-              </a:rPr>
-              <a:t> </a:t>
-            </a:r>
-            <a:r>
-              <a:rPr lang="en-US" sz="2500" dirty="0" err="1" smtClean="0">
-                <a:solidFill>
-                  <a:schemeClr val="tx1"/>
-                </a:solidFill>
-                <a:latin typeface="Times New Roman" panose="02020603050405020304" pitchFamily="18" charset="0"/>
-                <a:cs typeface="Times New Roman" panose="02020603050405020304" pitchFamily="18" charset="0"/>
-              </a:rPr>
-              <a:t>tìm</a:t>
-            </a:r>
-            <a:r>
-              <a:rPr lang="en-US" sz="2500" dirty="0" smtClean="0">
-                <a:solidFill>
-                  <a:schemeClr val="tx1"/>
-                </a:solidFill>
-                <a:latin typeface="Times New Roman" panose="02020603050405020304" pitchFamily="18" charset="0"/>
-                <a:cs typeface="Times New Roman" panose="02020603050405020304" pitchFamily="18" charset="0"/>
-              </a:rPr>
-              <a:t> </a:t>
-            </a:r>
-            <a:r>
-              <a:rPr lang="en-US" sz="2500" dirty="0" err="1" smtClean="0">
-                <a:solidFill>
-                  <a:schemeClr val="tx1"/>
-                </a:solidFill>
-                <a:latin typeface="Times New Roman" panose="02020603050405020304" pitchFamily="18" charset="0"/>
-                <a:cs typeface="Times New Roman" panose="02020603050405020304" pitchFamily="18" charset="0"/>
-              </a:rPr>
-              <a:t>kiếm</a:t>
-            </a:r>
-            <a:r>
-              <a:rPr lang="en-US" sz="2500" dirty="0" smtClean="0">
-                <a:solidFill>
-                  <a:schemeClr val="tx1"/>
-                </a:solidFill>
-                <a:latin typeface="Times New Roman" panose="02020603050405020304" pitchFamily="18" charset="0"/>
-                <a:cs typeface="Times New Roman" panose="02020603050405020304" pitchFamily="18" charset="0"/>
-              </a:rPr>
-              <a:t> </a:t>
-            </a:r>
-            <a:r>
-              <a:rPr lang="en-US" sz="2500" dirty="0" err="1" smtClean="0">
-                <a:solidFill>
-                  <a:schemeClr val="tx1"/>
-                </a:solidFill>
-                <a:latin typeface="Times New Roman" panose="02020603050405020304" pitchFamily="18" charset="0"/>
-                <a:cs typeface="Times New Roman" panose="02020603050405020304" pitchFamily="18" charset="0"/>
-              </a:rPr>
-              <a:t>trên</a:t>
-            </a:r>
-            <a:r>
-              <a:rPr lang="en-US" sz="2500" dirty="0" smtClean="0">
-                <a:solidFill>
-                  <a:schemeClr val="tx1"/>
-                </a:solidFill>
-                <a:latin typeface="Times New Roman" panose="02020603050405020304" pitchFamily="18" charset="0"/>
-                <a:cs typeface="Times New Roman" panose="02020603050405020304" pitchFamily="18" charset="0"/>
-              </a:rPr>
-              <a:t> </a:t>
-            </a:r>
-            <a:r>
-              <a:rPr lang="en-US" sz="2500" dirty="0" err="1" smtClean="0">
-                <a:solidFill>
-                  <a:schemeClr val="tx1"/>
-                </a:solidFill>
-                <a:latin typeface="Times New Roman" panose="02020603050405020304" pitchFamily="18" charset="0"/>
-                <a:cs typeface="Times New Roman" panose="02020603050405020304" pitchFamily="18" charset="0"/>
-              </a:rPr>
-              <a:t>bản</a:t>
-            </a:r>
-            <a:r>
-              <a:rPr lang="en-US" sz="2500" dirty="0" smtClean="0">
-                <a:solidFill>
-                  <a:schemeClr val="tx1"/>
-                </a:solidFill>
-                <a:latin typeface="Times New Roman" panose="02020603050405020304" pitchFamily="18" charset="0"/>
-                <a:cs typeface="Times New Roman" panose="02020603050405020304" pitchFamily="18" charset="0"/>
-              </a:rPr>
-              <a:t> </a:t>
-            </a:r>
-            <a:r>
-              <a:rPr lang="en-US" sz="2500" dirty="0" err="1" smtClean="0">
-                <a:solidFill>
-                  <a:schemeClr val="tx1"/>
-                </a:solidFill>
-                <a:latin typeface="Times New Roman" panose="02020603050405020304" pitchFamily="18" charset="0"/>
-                <a:cs typeface="Times New Roman" panose="02020603050405020304" pitchFamily="18" charset="0"/>
-              </a:rPr>
-              <a:t>đồ</a:t>
-            </a:r>
-            <a:r>
-              <a:rPr lang="en-US" sz="2500" dirty="0" smtClean="0">
-                <a:solidFill>
-                  <a:schemeClr val="tx1"/>
-                </a:solidFill>
-                <a:latin typeface="Times New Roman" panose="02020603050405020304" pitchFamily="18" charset="0"/>
-                <a:cs typeface="Times New Roman" panose="02020603050405020304" pitchFamily="18" charset="0"/>
-              </a:rPr>
-              <a:t>, </a:t>
-            </a:r>
-            <a:r>
-              <a:rPr lang="en-US" sz="2500" dirty="0" err="1" smtClean="0">
-                <a:solidFill>
-                  <a:schemeClr val="tx1"/>
-                </a:solidFill>
-                <a:latin typeface="Times New Roman" panose="02020603050405020304" pitchFamily="18" charset="0"/>
-                <a:cs typeface="Times New Roman" panose="02020603050405020304" pitchFamily="18" charset="0"/>
-              </a:rPr>
-              <a:t>chức</a:t>
-            </a:r>
-            <a:r>
-              <a:rPr lang="en-US" sz="2500" dirty="0" smtClean="0">
-                <a:solidFill>
-                  <a:schemeClr val="tx1"/>
-                </a:solidFill>
-                <a:latin typeface="Times New Roman" panose="02020603050405020304" pitchFamily="18" charset="0"/>
-                <a:cs typeface="Times New Roman" panose="02020603050405020304" pitchFamily="18" charset="0"/>
-              </a:rPr>
-              <a:t> </a:t>
-            </a:r>
-            <a:r>
-              <a:rPr lang="en-US" sz="2500" dirty="0" err="1" smtClean="0">
-                <a:solidFill>
-                  <a:schemeClr val="tx1"/>
-                </a:solidFill>
-                <a:latin typeface="Times New Roman" panose="02020603050405020304" pitchFamily="18" charset="0"/>
-                <a:cs typeface="Times New Roman" panose="02020603050405020304" pitchFamily="18" charset="0"/>
-              </a:rPr>
-              <a:t>năng</a:t>
-            </a:r>
-            <a:r>
-              <a:rPr lang="en-US" sz="2500" dirty="0" smtClean="0">
-                <a:solidFill>
-                  <a:schemeClr val="tx1"/>
-                </a:solidFill>
-                <a:latin typeface="Times New Roman" panose="02020603050405020304" pitchFamily="18" charset="0"/>
-                <a:cs typeface="Times New Roman" panose="02020603050405020304" pitchFamily="18" charset="0"/>
-              </a:rPr>
-              <a:t> </a:t>
-            </a:r>
-            <a:r>
-              <a:rPr lang="en-US" sz="2500" dirty="0" err="1" smtClean="0">
-                <a:solidFill>
-                  <a:schemeClr val="tx1"/>
-                </a:solidFill>
-                <a:latin typeface="Times New Roman" panose="02020603050405020304" pitchFamily="18" charset="0"/>
-                <a:cs typeface="Times New Roman" panose="02020603050405020304" pitchFamily="18" charset="0"/>
-              </a:rPr>
-              <a:t>hiển</a:t>
-            </a:r>
-            <a:r>
-              <a:rPr lang="en-US" sz="2500" dirty="0" smtClean="0">
-                <a:solidFill>
-                  <a:schemeClr val="tx1"/>
-                </a:solidFill>
-                <a:latin typeface="Times New Roman" panose="02020603050405020304" pitchFamily="18" charset="0"/>
-                <a:cs typeface="Times New Roman" panose="02020603050405020304" pitchFamily="18" charset="0"/>
-              </a:rPr>
-              <a:t> </a:t>
-            </a:r>
-            <a:r>
-              <a:rPr lang="en-US" sz="2500" dirty="0" err="1" smtClean="0">
-                <a:solidFill>
-                  <a:schemeClr val="tx1"/>
-                </a:solidFill>
-                <a:latin typeface="Times New Roman" panose="02020603050405020304" pitchFamily="18" charset="0"/>
-                <a:cs typeface="Times New Roman" panose="02020603050405020304" pitchFamily="18" charset="0"/>
-              </a:rPr>
-              <a:t>thị</a:t>
-            </a:r>
-            <a:r>
-              <a:rPr lang="en-US" sz="2500" dirty="0" smtClean="0">
-                <a:solidFill>
-                  <a:schemeClr val="tx1"/>
-                </a:solidFill>
-                <a:latin typeface="Times New Roman" panose="02020603050405020304" pitchFamily="18" charset="0"/>
-                <a:cs typeface="Times New Roman" panose="02020603050405020304" pitchFamily="18" charset="0"/>
-              </a:rPr>
-              <a:t> </a:t>
-            </a:r>
-            <a:r>
-              <a:rPr lang="en-US" sz="2500" dirty="0" err="1" smtClean="0">
-                <a:solidFill>
-                  <a:schemeClr val="tx1"/>
-                </a:solidFill>
-                <a:latin typeface="Times New Roman" panose="02020603050405020304" pitchFamily="18" charset="0"/>
-                <a:cs typeface="Times New Roman" panose="02020603050405020304" pitchFamily="18" charset="0"/>
-              </a:rPr>
-              <a:t>chỉ</a:t>
-            </a:r>
-            <a:r>
-              <a:rPr lang="en-US" sz="2500" dirty="0" smtClean="0">
-                <a:solidFill>
-                  <a:schemeClr val="tx1"/>
-                </a:solidFill>
-                <a:latin typeface="Times New Roman" panose="02020603050405020304" pitchFamily="18" charset="0"/>
-                <a:cs typeface="Times New Roman" panose="02020603050405020304" pitchFamily="18" charset="0"/>
-              </a:rPr>
-              <a:t> </a:t>
-            </a:r>
-            <a:r>
-              <a:rPr lang="en-US" sz="2500" dirty="0" err="1" smtClean="0">
-                <a:solidFill>
-                  <a:schemeClr val="tx1"/>
-                </a:solidFill>
-                <a:latin typeface="Times New Roman" panose="02020603050405020304" pitchFamily="18" charset="0"/>
-                <a:cs typeface="Times New Roman" panose="02020603050405020304" pitchFamily="18" charset="0"/>
-              </a:rPr>
-              <a:t>đường</a:t>
-            </a:r>
-            <a:r>
-              <a:rPr lang="en-US" sz="2500" dirty="0" smtClean="0">
-                <a:solidFill>
-                  <a:schemeClr val="tx1"/>
-                </a:solidFill>
-                <a:latin typeface="Times New Roman" panose="02020603050405020304" pitchFamily="18" charset="0"/>
-                <a:cs typeface="Times New Roman" panose="02020603050405020304" pitchFamily="18" charset="0"/>
-              </a:rPr>
-              <a:t> </a:t>
-            </a:r>
-            <a:r>
-              <a:rPr lang="en-US" sz="2500" dirty="0" err="1" smtClean="0">
-                <a:solidFill>
-                  <a:schemeClr val="tx1"/>
-                </a:solidFill>
-                <a:latin typeface="Times New Roman" panose="02020603050405020304" pitchFamily="18" charset="0"/>
-                <a:cs typeface="Times New Roman" panose="02020603050405020304" pitchFamily="18" charset="0"/>
-              </a:rPr>
-              <a:t>bằng</a:t>
-            </a:r>
-            <a:r>
-              <a:rPr lang="en-US" sz="2500" dirty="0" smtClean="0">
-                <a:solidFill>
-                  <a:schemeClr val="tx1"/>
-                </a:solidFill>
-                <a:latin typeface="Times New Roman" panose="02020603050405020304" pitchFamily="18" charset="0"/>
-                <a:cs typeface="Times New Roman" panose="02020603050405020304" pitchFamily="18" charset="0"/>
-              </a:rPr>
-              <a:t> </a:t>
-            </a:r>
-            <a:r>
-              <a:rPr lang="en-US" sz="2500" dirty="0" err="1" smtClean="0">
-                <a:solidFill>
-                  <a:schemeClr val="tx1"/>
-                </a:solidFill>
-                <a:latin typeface="Times New Roman" panose="02020603050405020304" pitchFamily="18" charset="0"/>
-                <a:cs typeface="Times New Roman" panose="02020603050405020304" pitchFamily="18" charset="0"/>
-              </a:rPr>
-              <a:t>bản</a:t>
-            </a:r>
-            <a:r>
-              <a:rPr lang="en-US" sz="2500" dirty="0" smtClean="0">
-                <a:solidFill>
-                  <a:schemeClr val="tx1"/>
-                </a:solidFill>
-                <a:latin typeface="Times New Roman" panose="02020603050405020304" pitchFamily="18" charset="0"/>
-                <a:cs typeface="Times New Roman" panose="02020603050405020304" pitchFamily="18" charset="0"/>
-              </a:rPr>
-              <a:t> </a:t>
-            </a:r>
-            <a:r>
-              <a:rPr lang="en-US" sz="2500" dirty="0" err="1" smtClean="0">
-                <a:solidFill>
-                  <a:schemeClr val="tx1"/>
-                </a:solidFill>
-                <a:latin typeface="Times New Roman" panose="02020603050405020304" pitchFamily="18" charset="0"/>
-                <a:cs typeface="Times New Roman" panose="02020603050405020304" pitchFamily="18" charset="0"/>
-              </a:rPr>
-              <a:t>đồ</a:t>
-            </a:r>
-            <a:r>
-              <a:rPr lang="en-US" sz="2500" dirty="0" smtClean="0">
-                <a:solidFill>
-                  <a:schemeClr val="tx1"/>
-                </a:solidFill>
-                <a:latin typeface="Times New Roman" panose="02020603050405020304" pitchFamily="18" charset="0"/>
-                <a:cs typeface="Times New Roman" panose="02020603050405020304" pitchFamily="18" charset="0"/>
-              </a:rPr>
-              <a:t>.</a:t>
-            </a:r>
-            <a:endParaRPr lang="en-US" sz="2500" dirty="0">
+            <a:endParaRPr lang="en-US" sz="2500" dirty="0" smtClean="0">
               <a:solidFill>
                 <a:schemeClr val="tx1"/>
               </a:solidFill>
               <a:latin typeface="Times New Roman" panose="02020603050405020304" pitchFamily="18" charset="0"/>
               <a:cs typeface="Times New Roman" panose="02020603050405020304" pitchFamily="18" charset="0"/>
             </a:endParaRPr>
-          </a:p>
-          <a:p>
-            <a:pPr marL="914400" lvl="1" indent="-457200" algn="l">
-              <a:buFont typeface="Times New Roman" panose="02020603050405020304" pitchFamily="18" charset="0"/>
-              <a:buChar char="‾"/>
-            </a:pPr>
-            <a:r>
-              <a:rPr lang="en-US" sz="2500" dirty="0" err="1" smtClean="0">
-                <a:solidFill>
-                  <a:schemeClr val="tx1"/>
-                </a:solidFill>
-                <a:latin typeface="Times New Roman" panose="02020603050405020304" pitchFamily="18" charset="0"/>
-                <a:cs typeface="Times New Roman" panose="02020603050405020304" pitchFamily="18" charset="0"/>
-              </a:rPr>
-              <a:t>Thay</a:t>
-            </a:r>
-            <a:r>
-              <a:rPr lang="en-US" sz="2500" dirty="0" smtClean="0">
-                <a:solidFill>
-                  <a:schemeClr val="tx1"/>
-                </a:solidFill>
-                <a:latin typeface="Times New Roman" panose="02020603050405020304" pitchFamily="18" charset="0"/>
-                <a:cs typeface="Times New Roman" panose="02020603050405020304" pitchFamily="18" charset="0"/>
-              </a:rPr>
-              <a:t> </a:t>
-            </a:r>
-            <a:r>
-              <a:rPr lang="en-US" sz="2500" dirty="0" err="1" smtClean="0">
-                <a:solidFill>
-                  <a:schemeClr val="tx1"/>
-                </a:solidFill>
-                <a:latin typeface="Times New Roman" panose="02020603050405020304" pitchFamily="18" charset="0"/>
-                <a:cs typeface="Times New Roman" panose="02020603050405020304" pitchFamily="18" charset="0"/>
-              </a:rPr>
-              <a:t>đổi</a:t>
-            </a:r>
-            <a:r>
-              <a:rPr lang="en-US" sz="2500" dirty="0" smtClean="0">
-                <a:solidFill>
-                  <a:schemeClr val="tx1"/>
-                </a:solidFill>
-                <a:latin typeface="Times New Roman" panose="02020603050405020304" pitchFamily="18" charset="0"/>
-                <a:cs typeface="Times New Roman" panose="02020603050405020304" pitchFamily="18" charset="0"/>
-              </a:rPr>
-              <a:t> </a:t>
-            </a:r>
-            <a:r>
-              <a:rPr lang="en-US" sz="2500" dirty="0" err="1" smtClean="0">
-                <a:solidFill>
-                  <a:schemeClr val="tx1"/>
-                </a:solidFill>
-                <a:latin typeface="Times New Roman" panose="02020603050405020304" pitchFamily="18" charset="0"/>
-                <a:cs typeface="Times New Roman" panose="02020603050405020304" pitchFamily="18" charset="0"/>
-              </a:rPr>
-              <a:t>thiết</a:t>
-            </a:r>
-            <a:r>
-              <a:rPr lang="en-US" sz="2500" dirty="0" smtClean="0">
-                <a:solidFill>
-                  <a:schemeClr val="tx1"/>
-                </a:solidFill>
-                <a:latin typeface="Times New Roman" panose="02020603050405020304" pitchFamily="18" charset="0"/>
-                <a:cs typeface="Times New Roman" panose="02020603050405020304" pitchFamily="18" charset="0"/>
-              </a:rPr>
-              <a:t> </a:t>
-            </a:r>
-            <a:r>
-              <a:rPr lang="en-US" sz="2500" dirty="0" err="1" smtClean="0">
-                <a:solidFill>
-                  <a:schemeClr val="tx1"/>
-                </a:solidFill>
-                <a:latin typeface="Times New Roman" panose="02020603050405020304" pitchFamily="18" charset="0"/>
-                <a:cs typeface="Times New Roman" panose="02020603050405020304" pitchFamily="18" charset="0"/>
-              </a:rPr>
-              <a:t>kế</a:t>
-            </a:r>
-            <a:r>
-              <a:rPr lang="en-US" sz="2500" dirty="0" smtClean="0">
-                <a:solidFill>
-                  <a:schemeClr val="tx1"/>
-                </a:solidFill>
-                <a:latin typeface="Times New Roman" panose="02020603050405020304" pitchFamily="18" charset="0"/>
-                <a:cs typeface="Times New Roman" panose="02020603050405020304" pitchFamily="18" charset="0"/>
-              </a:rPr>
-              <a:t> </a:t>
-            </a:r>
-            <a:r>
-              <a:rPr lang="en-US" sz="2500" dirty="0" err="1" smtClean="0">
-                <a:solidFill>
-                  <a:schemeClr val="tx1"/>
-                </a:solidFill>
-                <a:latin typeface="Times New Roman" panose="02020603050405020304" pitchFamily="18" charset="0"/>
-                <a:cs typeface="Times New Roman" panose="02020603050405020304" pitchFamily="18" charset="0"/>
-              </a:rPr>
-              <a:t>cơ</a:t>
-            </a:r>
-            <a:r>
-              <a:rPr lang="en-US" sz="2500" dirty="0" smtClean="0">
-                <a:solidFill>
-                  <a:schemeClr val="tx1"/>
-                </a:solidFill>
-                <a:latin typeface="Times New Roman" panose="02020603050405020304" pitchFamily="18" charset="0"/>
-                <a:cs typeface="Times New Roman" panose="02020603050405020304" pitchFamily="18" charset="0"/>
-              </a:rPr>
-              <a:t> </a:t>
-            </a:r>
-            <a:r>
-              <a:rPr lang="en-US" sz="2500" dirty="0" err="1" smtClean="0">
-                <a:solidFill>
-                  <a:schemeClr val="tx1"/>
-                </a:solidFill>
-                <a:latin typeface="Times New Roman" panose="02020603050405020304" pitchFamily="18" charset="0"/>
-                <a:cs typeface="Times New Roman" panose="02020603050405020304" pitchFamily="18" charset="0"/>
-              </a:rPr>
-              <a:t>sở</a:t>
-            </a:r>
-            <a:r>
-              <a:rPr lang="en-US" sz="2500" dirty="0" smtClean="0">
-                <a:solidFill>
-                  <a:schemeClr val="tx1"/>
-                </a:solidFill>
-                <a:latin typeface="Times New Roman" panose="02020603050405020304" pitchFamily="18" charset="0"/>
-                <a:cs typeface="Times New Roman" panose="02020603050405020304" pitchFamily="18" charset="0"/>
-              </a:rPr>
-              <a:t> </a:t>
-            </a:r>
-            <a:r>
-              <a:rPr lang="en-US" sz="2500" dirty="0" err="1" smtClean="0">
-                <a:solidFill>
-                  <a:schemeClr val="tx1"/>
-                </a:solidFill>
-                <a:latin typeface="Times New Roman" panose="02020603050405020304" pitchFamily="18" charset="0"/>
-                <a:cs typeface="Times New Roman" panose="02020603050405020304" pitchFamily="18" charset="0"/>
-              </a:rPr>
-              <a:t>dữ</a:t>
-            </a:r>
-            <a:r>
-              <a:rPr lang="en-US" sz="2500" dirty="0" smtClean="0">
-                <a:solidFill>
-                  <a:schemeClr val="tx1"/>
-                </a:solidFill>
-                <a:latin typeface="Times New Roman" panose="02020603050405020304" pitchFamily="18" charset="0"/>
-                <a:cs typeface="Times New Roman" panose="02020603050405020304" pitchFamily="18" charset="0"/>
-              </a:rPr>
-              <a:t> </a:t>
-            </a:r>
-            <a:r>
-              <a:rPr lang="en-US" sz="2500" dirty="0" err="1" smtClean="0">
-                <a:solidFill>
-                  <a:schemeClr val="tx1"/>
-                </a:solidFill>
-                <a:latin typeface="Times New Roman" panose="02020603050405020304" pitchFamily="18" charset="0"/>
-                <a:cs typeface="Times New Roman" panose="02020603050405020304" pitchFamily="18" charset="0"/>
-              </a:rPr>
-              <a:t>liệu</a:t>
-            </a:r>
-            <a:r>
-              <a:rPr lang="en-US" sz="2500" dirty="0" smtClean="0">
-                <a:solidFill>
-                  <a:schemeClr val="tx1"/>
-                </a:solidFill>
-                <a:latin typeface="Times New Roman" panose="02020603050405020304" pitchFamily="18" charset="0"/>
-                <a:cs typeface="Times New Roman" panose="02020603050405020304" pitchFamily="18" charset="0"/>
-              </a:rPr>
-              <a:t> </a:t>
-            </a:r>
-            <a:r>
-              <a:rPr lang="en-US" sz="2500" dirty="0" err="1" smtClean="0">
-                <a:solidFill>
-                  <a:schemeClr val="tx1"/>
-                </a:solidFill>
-                <a:latin typeface="Times New Roman" panose="02020603050405020304" pitchFamily="18" charset="0"/>
-                <a:cs typeface="Times New Roman" panose="02020603050405020304" pitchFamily="18" charset="0"/>
-              </a:rPr>
-              <a:t>để</a:t>
-            </a:r>
-            <a:r>
-              <a:rPr lang="en-US" sz="2500" dirty="0" smtClean="0">
-                <a:solidFill>
-                  <a:schemeClr val="tx1"/>
-                </a:solidFill>
-                <a:latin typeface="Times New Roman" panose="02020603050405020304" pitchFamily="18" charset="0"/>
-                <a:cs typeface="Times New Roman" panose="02020603050405020304" pitchFamily="18" charset="0"/>
-              </a:rPr>
-              <a:t> </a:t>
-            </a:r>
-            <a:r>
-              <a:rPr lang="en-US" sz="2500" dirty="0" err="1" smtClean="0">
-                <a:solidFill>
-                  <a:schemeClr val="tx1"/>
-                </a:solidFill>
-                <a:latin typeface="Times New Roman" panose="02020603050405020304" pitchFamily="18" charset="0"/>
-                <a:cs typeface="Times New Roman" panose="02020603050405020304" pitchFamily="18" charset="0"/>
-              </a:rPr>
-              <a:t>mở</a:t>
-            </a:r>
-            <a:r>
-              <a:rPr lang="en-US" sz="2500" dirty="0" smtClean="0">
-                <a:solidFill>
-                  <a:schemeClr val="tx1"/>
-                </a:solidFill>
-                <a:latin typeface="Times New Roman" panose="02020603050405020304" pitchFamily="18" charset="0"/>
-                <a:cs typeface="Times New Roman" panose="02020603050405020304" pitchFamily="18" charset="0"/>
-              </a:rPr>
-              <a:t> </a:t>
-            </a:r>
-            <a:r>
-              <a:rPr lang="en-US" sz="2500" dirty="0" err="1" smtClean="0">
-                <a:solidFill>
-                  <a:schemeClr val="tx1"/>
-                </a:solidFill>
-                <a:latin typeface="Times New Roman" panose="02020603050405020304" pitchFamily="18" charset="0"/>
-                <a:cs typeface="Times New Roman" panose="02020603050405020304" pitchFamily="18" charset="0"/>
-              </a:rPr>
-              <a:t>rộng</a:t>
-            </a:r>
-            <a:r>
-              <a:rPr lang="en-US" sz="2500" dirty="0" smtClean="0">
-                <a:solidFill>
-                  <a:schemeClr val="tx1"/>
-                </a:solidFill>
-                <a:latin typeface="Times New Roman" panose="02020603050405020304" pitchFamily="18" charset="0"/>
-                <a:cs typeface="Times New Roman" panose="02020603050405020304" pitchFamily="18" charset="0"/>
-              </a:rPr>
-              <a:t> </a:t>
-            </a:r>
-            <a:r>
-              <a:rPr lang="en-US" sz="2500" dirty="0" err="1" smtClean="0">
-                <a:solidFill>
-                  <a:schemeClr val="tx1"/>
-                </a:solidFill>
-                <a:latin typeface="Times New Roman" panose="02020603050405020304" pitchFamily="18" charset="0"/>
-                <a:cs typeface="Times New Roman" panose="02020603050405020304" pitchFamily="18" charset="0"/>
-              </a:rPr>
-              <a:t>phần</a:t>
-            </a:r>
-            <a:r>
-              <a:rPr lang="en-US" sz="2500" dirty="0" smtClean="0">
-                <a:solidFill>
-                  <a:schemeClr val="tx1"/>
-                </a:solidFill>
-                <a:latin typeface="Times New Roman" panose="02020603050405020304" pitchFamily="18" charset="0"/>
-                <a:cs typeface="Times New Roman" panose="02020603050405020304" pitchFamily="18" charset="0"/>
-              </a:rPr>
-              <a:t> </a:t>
-            </a:r>
-            <a:r>
-              <a:rPr lang="en-US" sz="2500" dirty="0" err="1" smtClean="0">
-                <a:solidFill>
-                  <a:schemeClr val="tx1"/>
-                </a:solidFill>
-                <a:latin typeface="Times New Roman" panose="02020603050405020304" pitchFamily="18" charset="0"/>
-                <a:cs typeface="Times New Roman" panose="02020603050405020304" pitchFamily="18" charset="0"/>
-              </a:rPr>
-              <a:t>mềm</a:t>
-            </a:r>
-            <a:r>
-              <a:rPr lang="en-US" sz="2500" dirty="0" smtClean="0">
-                <a:solidFill>
-                  <a:schemeClr val="tx1"/>
-                </a:solidFill>
-                <a:latin typeface="Times New Roman" panose="02020603050405020304" pitchFamily="18" charset="0"/>
-                <a:cs typeface="Times New Roman" panose="02020603050405020304" pitchFamily="18" charset="0"/>
-              </a:rPr>
-              <a:t>.</a:t>
-            </a:r>
-          </a:p>
-          <a:p>
-            <a:pPr marL="914400" lvl="1" indent="-457200" algn="l">
-              <a:buFont typeface="Times New Roman" panose="02020603050405020304" pitchFamily="18" charset="0"/>
-              <a:buChar char="‾"/>
-            </a:pPr>
-            <a:r>
-              <a:rPr lang="en-US" sz="2500" dirty="0" err="1" smtClean="0">
-                <a:solidFill>
-                  <a:schemeClr val="tx1"/>
-                </a:solidFill>
-                <a:latin typeface="Times New Roman" panose="02020603050405020304" pitchFamily="18" charset="0"/>
-                <a:cs typeface="Times New Roman" panose="02020603050405020304" pitchFamily="18" charset="0"/>
-              </a:rPr>
-              <a:t>Thiết</a:t>
-            </a:r>
-            <a:r>
-              <a:rPr lang="en-US" sz="2500" dirty="0" smtClean="0">
-                <a:solidFill>
-                  <a:schemeClr val="tx1"/>
-                </a:solidFill>
-                <a:latin typeface="Times New Roman" panose="02020603050405020304" pitchFamily="18" charset="0"/>
-                <a:cs typeface="Times New Roman" panose="02020603050405020304" pitchFamily="18" charset="0"/>
-              </a:rPr>
-              <a:t> </a:t>
-            </a:r>
-            <a:r>
-              <a:rPr lang="en-US" sz="2500" dirty="0" err="1" smtClean="0">
-                <a:solidFill>
-                  <a:schemeClr val="tx1"/>
-                </a:solidFill>
-                <a:latin typeface="Times New Roman" panose="02020603050405020304" pitchFamily="18" charset="0"/>
-                <a:cs typeface="Times New Roman" panose="02020603050405020304" pitchFamily="18" charset="0"/>
-              </a:rPr>
-              <a:t>kế</a:t>
-            </a:r>
-            <a:r>
-              <a:rPr lang="en-US" sz="2500" dirty="0" smtClean="0">
-                <a:solidFill>
-                  <a:schemeClr val="tx1"/>
-                </a:solidFill>
-                <a:latin typeface="Times New Roman" panose="02020603050405020304" pitchFamily="18" charset="0"/>
-                <a:cs typeface="Times New Roman" panose="02020603050405020304" pitchFamily="18" charset="0"/>
-              </a:rPr>
-              <a:t> </a:t>
-            </a:r>
-            <a:r>
-              <a:rPr lang="en-US" sz="2500" dirty="0" err="1" smtClean="0">
-                <a:solidFill>
-                  <a:schemeClr val="tx1"/>
-                </a:solidFill>
-                <a:latin typeface="Times New Roman" panose="02020603050405020304" pitchFamily="18" charset="0"/>
-                <a:cs typeface="Times New Roman" panose="02020603050405020304" pitchFamily="18" charset="0"/>
-              </a:rPr>
-              <a:t>tương</a:t>
-            </a:r>
-            <a:r>
-              <a:rPr lang="en-US" sz="2500" dirty="0" smtClean="0">
-                <a:solidFill>
-                  <a:schemeClr val="tx1"/>
-                </a:solidFill>
-                <a:latin typeface="Times New Roman" panose="02020603050405020304" pitchFamily="18" charset="0"/>
-                <a:cs typeface="Times New Roman" panose="02020603050405020304" pitchFamily="18" charset="0"/>
-              </a:rPr>
-              <a:t> </a:t>
-            </a:r>
-            <a:r>
-              <a:rPr lang="en-US" sz="2500" dirty="0" err="1" smtClean="0">
-                <a:solidFill>
-                  <a:schemeClr val="tx1"/>
-                </a:solidFill>
-                <a:latin typeface="Times New Roman" panose="02020603050405020304" pitchFamily="18" charset="0"/>
-                <a:cs typeface="Times New Roman" panose="02020603050405020304" pitchFamily="18" charset="0"/>
-              </a:rPr>
-              <a:t>tác</a:t>
-            </a:r>
-            <a:r>
-              <a:rPr lang="en-US" sz="2500" dirty="0" smtClean="0">
-                <a:solidFill>
-                  <a:schemeClr val="tx1"/>
-                </a:solidFill>
-                <a:latin typeface="Times New Roman" panose="02020603050405020304" pitchFamily="18" charset="0"/>
-                <a:cs typeface="Times New Roman" panose="02020603050405020304" pitchFamily="18" charset="0"/>
-              </a:rPr>
-              <a:t> </a:t>
-            </a:r>
-            <a:r>
-              <a:rPr lang="en-US" sz="2500" dirty="0" err="1" smtClean="0">
-                <a:solidFill>
-                  <a:schemeClr val="tx1"/>
-                </a:solidFill>
-                <a:latin typeface="Times New Roman" panose="02020603050405020304" pitchFamily="18" charset="0"/>
-                <a:cs typeface="Times New Roman" panose="02020603050405020304" pitchFamily="18" charset="0"/>
-              </a:rPr>
-              <a:t>với</a:t>
-            </a:r>
-            <a:r>
-              <a:rPr lang="en-US" sz="2500" dirty="0" smtClean="0">
-                <a:solidFill>
-                  <a:schemeClr val="tx1"/>
-                </a:solidFill>
-                <a:latin typeface="Times New Roman" panose="02020603050405020304" pitchFamily="18" charset="0"/>
-                <a:cs typeface="Times New Roman" panose="02020603050405020304" pitchFamily="18" charset="0"/>
-              </a:rPr>
-              <a:t> </a:t>
-            </a:r>
-            <a:r>
-              <a:rPr lang="en-US" sz="2500" dirty="0" err="1" smtClean="0">
-                <a:solidFill>
-                  <a:schemeClr val="tx1"/>
-                </a:solidFill>
-                <a:latin typeface="Times New Roman" panose="02020603050405020304" pitchFamily="18" charset="0"/>
-                <a:cs typeface="Times New Roman" panose="02020603050405020304" pitchFamily="18" charset="0"/>
-              </a:rPr>
-              <a:t>thiết</a:t>
-            </a:r>
-            <a:r>
-              <a:rPr lang="en-US" sz="2500" dirty="0" smtClean="0">
-                <a:solidFill>
-                  <a:schemeClr val="tx1"/>
-                </a:solidFill>
-                <a:latin typeface="Times New Roman" panose="02020603050405020304" pitchFamily="18" charset="0"/>
-                <a:cs typeface="Times New Roman" panose="02020603050405020304" pitchFamily="18" charset="0"/>
-              </a:rPr>
-              <a:t> </a:t>
-            </a:r>
-            <a:r>
-              <a:rPr lang="en-US" sz="2500" dirty="0" err="1" smtClean="0">
-                <a:solidFill>
-                  <a:schemeClr val="tx1"/>
-                </a:solidFill>
-                <a:latin typeface="Times New Roman" panose="02020603050405020304" pitchFamily="18" charset="0"/>
-                <a:cs typeface="Times New Roman" panose="02020603050405020304" pitchFamily="18" charset="0"/>
-              </a:rPr>
-              <a:t>bị</a:t>
-            </a:r>
-            <a:r>
-              <a:rPr lang="en-US" sz="2500" dirty="0" smtClean="0">
-                <a:solidFill>
-                  <a:schemeClr val="tx1"/>
-                </a:solidFill>
-                <a:latin typeface="Times New Roman" panose="02020603050405020304" pitchFamily="18" charset="0"/>
-                <a:cs typeface="Times New Roman" panose="02020603050405020304" pitchFamily="18" charset="0"/>
-              </a:rPr>
-              <a:t> di </a:t>
-            </a:r>
-            <a:r>
-              <a:rPr lang="en-US" sz="2500" dirty="0" err="1" smtClean="0">
-                <a:solidFill>
-                  <a:schemeClr val="tx1"/>
-                </a:solidFill>
-                <a:latin typeface="Times New Roman" panose="02020603050405020304" pitchFamily="18" charset="0"/>
-                <a:cs typeface="Times New Roman" panose="02020603050405020304" pitchFamily="18" charset="0"/>
-              </a:rPr>
-              <a:t>động</a:t>
-            </a:r>
-            <a:r>
-              <a:rPr lang="en-US" sz="2500" dirty="0" smtClean="0">
-                <a:solidFill>
-                  <a:schemeClr val="tx1"/>
-                </a:solidFill>
-                <a:latin typeface="Times New Roman" panose="02020603050405020304" pitchFamily="18" charset="0"/>
-                <a:cs typeface="Times New Roman" panose="02020603050405020304" pitchFamily="18" charset="0"/>
-              </a:rPr>
-              <a:t>.</a:t>
-            </a:r>
           </a:p>
         </p:txBody>
       </p:sp>
@@ -11174,6 +10657,1794 @@
     <p:extLst>
       <p:ext uri="{BB962C8B-B14F-4D97-AF65-F5344CB8AC3E}">
         <p14:creationId xmlns:p14="http://schemas.microsoft.com/office/powerpoint/2010/main" val="2847290280"/>
+      </p:ext>
+    </p:extLst>
+  </p:cSld>
+  <p:clrMapOvr>
+    <a:masterClrMapping/>
+  </p:clrMapOvr>
+  <p:timing>
+    <p:tnLst>
+      <p:par>
+        <p:cTn id="1" dur="indefinite" restart="never" nodeType="tmRoot"/>
+      </p:par>
+    </p:tnLst>
+  </p:timing>
+</p:sld>
+</file>
+
+<file path=ppt/slides/slide6.xml><?xml version="1.0" encoding="utf-8"?>
+<p:sld xmlns:a="http://schemas.openxmlformats.org/drawingml/2006/main" xmlns:r="http://schemas.openxmlformats.org/officeDocument/2006/relationships" xmlns:p="http://schemas.openxmlformats.org/presentationml/2006/main">
+  <p:cSld>
+    <p:spTree>
+      <p:nvGrpSpPr>
+        <p:cNvPr id="1" name=""/>
+        <p:cNvGrpSpPr/>
+        <p:nvPr/>
+      </p:nvGrpSpPr>
+      <p:grpSpPr>
+        <a:xfrm>
+          <a:off x="0" y="0"/>
+          <a:ext cx="0" cy="0"/>
+          <a:chOff x="0" y="0"/>
+          <a:chExt cx="0" cy="0"/>
+        </a:xfrm>
+      </p:grpSpPr>
+      <p:pic>
+        <p:nvPicPr>
+          <p:cNvPr id="7" name="Picture 6"/>
+          <p:cNvPicPr>
+            <a:picLocks noChangeAspect="1"/>
+          </p:cNvPicPr>
+          <p:nvPr/>
+        </p:nvPicPr>
+        <p:blipFill>
+          <a:blip r:embed="rId2">
+            <a:extLst>
+              <a:ext uri="{28A0092B-C50C-407E-A947-70E740481C1C}">
+                <a14:useLocalDpi xmlns:a14="http://schemas.microsoft.com/office/drawing/2010/main" val="0"/>
+              </a:ext>
+            </a:extLst>
+          </a:blip>
+          <a:stretch>
+            <a:fillRect/>
+          </a:stretch>
+        </p:blipFill>
+        <p:spPr>
+          <a:xfrm>
+            <a:off x="0" y="0"/>
+            <a:ext cx="12192000" cy="818147"/>
+          </a:xfrm>
+          <a:prstGeom prst="rect">
+            <a:avLst/>
+          </a:prstGeom>
+        </p:spPr>
+      </p:pic>
+      <p:sp>
+        <p:nvSpPr>
+          <p:cNvPr id="2" name="Title 1"/>
+          <p:cNvSpPr>
+            <a:spLocks noGrp="1"/>
+          </p:cNvSpPr>
+          <p:nvPr>
+            <p:ph type="ctrTitle"/>
+          </p:nvPr>
+        </p:nvSpPr>
+        <p:spPr>
+          <a:xfrm>
+            <a:off x="4191000" y="1"/>
+            <a:ext cx="8001000" cy="625642"/>
+          </a:xfrm>
+        </p:spPr>
+        <p:txBody>
+          <a:bodyPr>
+            <a:noAutofit/>
+          </a:bodyPr>
+          <a:lstStyle/>
+          <a:p>
+            <a:pPr algn="r"/>
+            <a:r>
+              <a:rPr lang="en-US" sz="3200" b="1" cap="none" dirty="0" err="1" smtClean="0">
+                <a:latin typeface="Times New Roman" panose="02020603050405020304" pitchFamily="18" charset="0"/>
+                <a:cs typeface="Times New Roman" panose="02020603050405020304" pitchFamily="18" charset="0"/>
+              </a:rPr>
+              <a:t>Hướng</a:t>
+            </a:r>
+            <a:r>
+              <a:rPr lang="en-US" sz="3200" b="1" cap="none" dirty="0" smtClean="0">
+                <a:latin typeface="Times New Roman" panose="02020603050405020304" pitchFamily="18" charset="0"/>
+                <a:cs typeface="Times New Roman" panose="02020603050405020304" pitchFamily="18" charset="0"/>
+              </a:rPr>
+              <a:t> </a:t>
+            </a:r>
+            <a:r>
+              <a:rPr lang="en-US" sz="3200" b="1" cap="none" dirty="0" err="1" smtClean="0">
+                <a:latin typeface="Times New Roman" panose="02020603050405020304" pitchFamily="18" charset="0"/>
+                <a:cs typeface="Times New Roman" panose="02020603050405020304" pitchFamily="18" charset="0"/>
+              </a:rPr>
+              <a:t>phát</a:t>
+            </a:r>
+            <a:r>
+              <a:rPr lang="en-US" sz="3200" b="1" cap="none" dirty="0" smtClean="0">
+                <a:latin typeface="Times New Roman" panose="02020603050405020304" pitchFamily="18" charset="0"/>
+                <a:cs typeface="Times New Roman" panose="02020603050405020304" pitchFamily="18" charset="0"/>
+              </a:rPr>
+              <a:t> </a:t>
+            </a:r>
+            <a:r>
+              <a:rPr lang="en-US" sz="3200" b="1" cap="none" dirty="0" err="1" smtClean="0">
+                <a:latin typeface="Times New Roman" panose="02020603050405020304" pitchFamily="18" charset="0"/>
+                <a:cs typeface="Times New Roman" panose="02020603050405020304" pitchFamily="18" charset="0"/>
+              </a:rPr>
+              <a:t>triển</a:t>
+            </a:r>
+            <a:endParaRPr lang="en-US" sz="3200" b="1" cap="none" dirty="0">
+              <a:latin typeface="Times New Roman" panose="02020603050405020304" pitchFamily="18" charset="0"/>
+              <a:cs typeface="Times New Roman" panose="02020603050405020304" pitchFamily="18" charset="0"/>
+            </a:endParaRPr>
+          </a:p>
+        </p:txBody>
+      </p:sp>
+      <p:sp>
+        <p:nvSpPr>
+          <p:cNvPr id="3" name="Subtitle 2"/>
+          <p:cNvSpPr>
+            <a:spLocks noGrp="1"/>
+          </p:cNvSpPr>
+          <p:nvPr>
+            <p:ph type="subTitle" idx="1"/>
+          </p:nvPr>
+        </p:nvSpPr>
+        <p:spPr>
+          <a:xfrm>
+            <a:off x="0" y="1619477"/>
+            <a:ext cx="12192000" cy="5238524"/>
+          </a:xfrm>
+        </p:spPr>
+        <p:txBody>
+          <a:bodyPr>
+            <a:normAutofit/>
+          </a:bodyPr>
+          <a:lstStyle/>
+          <a:p>
+            <a:r>
+              <a:rPr lang="en-US" sz="2800" dirty="0" err="1" smtClean="0">
+                <a:solidFill>
+                  <a:schemeClr val="tx1"/>
+                </a:solidFill>
+                <a:latin typeface="Times New Roman" panose="02020603050405020304" pitchFamily="18" charset="0"/>
+                <a:cs typeface="Times New Roman" panose="02020603050405020304" pitchFamily="18" charset="0"/>
+              </a:rPr>
+              <a:t>Đề</a:t>
+            </a:r>
+            <a:r>
+              <a:rPr lang="en-US" sz="2800" dirty="0" smtClean="0">
+                <a:solidFill>
+                  <a:schemeClr val="tx1"/>
+                </a:solidFill>
+                <a:latin typeface="Times New Roman" panose="02020603050405020304" pitchFamily="18" charset="0"/>
+                <a:cs typeface="Times New Roman" panose="02020603050405020304" pitchFamily="18" charset="0"/>
+              </a:rPr>
+              <a:t> </a:t>
+            </a:r>
+            <a:r>
+              <a:rPr lang="en-US" sz="2800" dirty="0" err="1" smtClean="0">
+                <a:solidFill>
+                  <a:schemeClr val="tx1"/>
+                </a:solidFill>
+                <a:latin typeface="Times New Roman" panose="02020603050405020304" pitchFamily="18" charset="0"/>
+                <a:cs typeface="Times New Roman" panose="02020603050405020304" pitchFamily="18" charset="0"/>
+              </a:rPr>
+              <a:t>xuất</a:t>
+            </a:r>
+            <a:r>
+              <a:rPr lang="en-US" sz="2800" dirty="0" smtClean="0">
+                <a:solidFill>
+                  <a:schemeClr val="tx1"/>
+                </a:solidFill>
+                <a:latin typeface="Times New Roman" panose="02020603050405020304" pitchFamily="18" charset="0"/>
+                <a:cs typeface="Times New Roman" panose="02020603050405020304" pitchFamily="18" charset="0"/>
+              </a:rPr>
+              <a:t> </a:t>
+            </a:r>
+            <a:r>
+              <a:rPr lang="en-US" sz="2800" dirty="0" err="1" smtClean="0">
+                <a:solidFill>
+                  <a:schemeClr val="tx1"/>
+                </a:solidFill>
+                <a:latin typeface="Times New Roman" panose="02020603050405020304" pitchFamily="18" charset="0"/>
+                <a:cs typeface="Times New Roman" panose="02020603050405020304" pitchFamily="18" charset="0"/>
+              </a:rPr>
+              <a:t>hướng</a:t>
+            </a:r>
+            <a:r>
+              <a:rPr lang="en-US" sz="2800" dirty="0" smtClean="0">
+                <a:solidFill>
+                  <a:schemeClr val="tx1"/>
+                </a:solidFill>
+                <a:latin typeface="Times New Roman" panose="02020603050405020304" pitchFamily="18" charset="0"/>
+                <a:cs typeface="Times New Roman" panose="02020603050405020304" pitchFamily="18" charset="0"/>
+              </a:rPr>
+              <a:t> </a:t>
+            </a:r>
+            <a:r>
+              <a:rPr lang="en-US" sz="2800" dirty="0" err="1" smtClean="0">
+                <a:solidFill>
+                  <a:schemeClr val="tx1"/>
+                </a:solidFill>
+                <a:latin typeface="Times New Roman" panose="02020603050405020304" pitchFamily="18" charset="0"/>
+                <a:cs typeface="Times New Roman" panose="02020603050405020304" pitchFamily="18" charset="0"/>
+              </a:rPr>
+              <a:t>phát</a:t>
+            </a:r>
+            <a:r>
+              <a:rPr lang="en-US" sz="2800" dirty="0" smtClean="0">
+                <a:solidFill>
+                  <a:schemeClr val="tx1"/>
+                </a:solidFill>
+                <a:latin typeface="Times New Roman" panose="02020603050405020304" pitchFamily="18" charset="0"/>
+                <a:cs typeface="Times New Roman" panose="02020603050405020304" pitchFamily="18" charset="0"/>
+              </a:rPr>
+              <a:t> </a:t>
+            </a:r>
+            <a:r>
+              <a:rPr lang="en-US" sz="2800" dirty="0" err="1" smtClean="0">
+                <a:solidFill>
+                  <a:schemeClr val="tx1"/>
+                </a:solidFill>
+                <a:latin typeface="Times New Roman" panose="02020603050405020304" pitchFamily="18" charset="0"/>
+                <a:cs typeface="Times New Roman" panose="02020603050405020304" pitchFamily="18" charset="0"/>
+              </a:rPr>
+              <a:t>triển</a:t>
+            </a:r>
+            <a:r>
+              <a:rPr lang="en-US" sz="2800" dirty="0" smtClean="0">
+                <a:solidFill>
+                  <a:schemeClr val="tx1"/>
+                </a:solidFill>
+                <a:latin typeface="Times New Roman" panose="02020603050405020304" pitchFamily="18" charset="0"/>
+                <a:cs typeface="Times New Roman" panose="02020603050405020304" pitchFamily="18" charset="0"/>
+              </a:rPr>
+              <a:t>:</a:t>
+            </a:r>
+          </a:p>
+          <a:p>
+            <a:pPr marL="914400" lvl="1" indent="-457200" algn="l">
+              <a:buFont typeface="Times New Roman" panose="02020603050405020304" pitchFamily="18" charset="0"/>
+              <a:buChar char="‾"/>
+            </a:pPr>
+            <a:r>
+              <a:rPr lang="en-US" sz="2500" dirty="0" err="1" smtClean="0">
+                <a:solidFill>
+                  <a:schemeClr val="tx1"/>
+                </a:solidFill>
+                <a:latin typeface="Times New Roman" panose="02020603050405020304" pitchFamily="18" charset="0"/>
+                <a:cs typeface="Times New Roman" panose="02020603050405020304" pitchFamily="18" charset="0"/>
+              </a:rPr>
+              <a:t>Tích</a:t>
+            </a:r>
+            <a:r>
+              <a:rPr lang="en-US" sz="2500" dirty="0" smtClean="0">
+                <a:solidFill>
+                  <a:schemeClr val="tx1"/>
+                </a:solidFill>
+                <a:latin typeface="Times New Roman" panose="02020603050405020304" pitchFamily="18" charset="0"/>
+                <a:cs typeface="Times New Roman" panose="02020603050405020304" pitchFamily="18" charset="0"/>
+              </a:rPr>
+              <a:t> </a:t>
+            </a:r>
+            <a:r>
+              <a:rPr lang="en-US" sz="2500" dirty="0" err="1" smtClean="0">
+                <a:solidFill>
+                  <a:schemeClr val="tx1"/>
+                </a:solidFill>
+                <a:latin typeface="Times New Roman" panose="02020603050405020304" pitchFamily="18" charset="0"/>
+                <a:cs typeface="Times New Roman" panose="02020603050405020304" pitchFamily="18" charset="0"/>
+              </a:rPr>
+              <a:t>hợp</a:t>
+            </a:r>
+            <a:r>
+              <a:rPr lang="en-US" sz="2500" dirty="0" smtClean="0">
+                <a:solidFill>
+                  <a:schemeClr val="tx1"/>
+                </a:solidFill>
+                <a:latin typeface="Times New Roman" panose="02020603050405020304" pitchFamily="18" charset="0"/>
+                <a:cs typeface="Times New Roman" panose="02020603050405020304" pitchFamily="18" charset="0"/>
+              </a:rPr>
+              <a:t> </a:t>
+            </a:r>
+            <a:r>
+              <a:rPr lang="en-US" sz="2500" dirty="0" err="1" smtClean="0">
+                <a:solidFill>
+                  <a:schemeClr val="tx1"/>
+                </a:solidFill>
+                <a:latin typeface="Times New Roman" panose="02020603050405020304" pitchFamily="18" charset="0"/>
+                <a:cs typeface="Times New Roman" panose="02020603050405020304" pitchFamily="18" charset="0"/>
+              </a:rPr>
+              <a:t>chức</a:t>
+            </a:r>
+            <a:r>
+              <a:rPr lang="en-US" sz="2500" dirty="0" smtClean="0">
+                <a:solidFill>
+                  <a:schemeClr val="tx1"/>
+                </a:solidFill>
+                <a:latin typeface="Times New Roman" panose="02020603050405020304" pitchFamily="18" charset="0"/>
+                <a:cs typeface="Times New Roman" panose="02020603050405020304" pitchFamily="18" charset="0"/>
+              </a:rPr>
+              <a:t> </a:t>
+            </a:r>
+            <a:r>
+              <a:rPr lang="en-US" sz="2500" dirty="0" err="1" smtClean="0">
+                <a:solidFill>
+                  <a:schemeClr val="tx1"/>
+                </a:solidFill>
+                <a:latin typeface="Times New Roman" panose="02020603050405020304" pitchFamily="18" charset="0"/>
+                <a:cs typeface="Times New Roman" panose="02020603050405020304" pitchFamily="18" charset="0"/>
+              </a:rPr>
+              <a:t>năng</a:t>
+            </a:r>
+            <a:r>
+              <a:rPr lang="en-US" sz="2500" dirty="0" smtClean="0">
+                <a:solidFill>
+                  <a:schemeClr val="tx1"/>
+                </a:solidFill>
+                <a:latin typeface="Times New Roman" panose="02020603050405020304" pitchFamily="18" charset="0"/>
+                <a:cs typeface="Times New Roman" panose="02020603050405020304" pitchFamily="18" charset="0"/>
+              </a:rPr>
+              <a:t> </a:t>
+            </a:r>
+            <a:r>
+              <a:rPr lang="en-US" sz="2500" dirty="0" err="1" smtClean="0">
+                <a:solidFill>
+                  <a:schemeClr val="tx1"/>
+                </a:solidFill>
+                <a:latin typeface="Times New Roman" panose="02020603050405020304" pitchFamily="18" charset="0"/>
+                <a:cs typeface="Times New Roman" panose="02020603050405020304" pitchFamily="18" charset="0"/>
+              </a:rPr>
+              <a:t>tìm</a:t>
+            </a:r>
+            <a:r>
+              <a:rPr lang="en-US" sz="2500" dirty="0" smtClean="0">
+                <a:solidFill>
+                  <a:schemeClr val="tx1"/>
+                </a:solidFill>
+                <a:latin typeface="Times New Roman" panose="02020603050405020304" pitchFamily="18" charset="0"/>
+                <a:cs typeface="Times New Roman" panose="02020603050405020304" pitchFamily="18" charset="0"/>
+              </a:rPr>
+              <a:t> </a:t>
+            </a:r>
+            <a:r>
+              <a:rPr lang="en-US" sz="2500" dirty="0" err="1" smtClean="0">
+                <a:solidFill>
+                  <a:schemeClr val="tx1"/>
+                </a:solidFill>
+                <a:latin typeface="Times New Roman" panose="02020603050405020304" pitchFamily="18" charset="0"/>
+                <a:cs typeface="Times New Roman" panose="02020603050405020304" pitchFamily="18" charset="0"/>
+              </a:rPr>
+              <a:t>kiếm</a:t>
+            </a:r>
+            <a:r>
+              <a:rPr lang="en-US" sz="2500" dirty="0" smtClean="0">
+                <a:solidFill>
+                  <a:schemeClr val="tx1"/>
+                </a:solidFill>
+                <a:latin typeface="Times New Roman" panose="02020603050405020304" pitchFamily="18" charset="0"/>
+                <a:cs typeface="Times New Roman" panose="02020603050405020304" pitchFamily="18" charset="0"/>
+              </a:rPr>
+              <a:t> </a:t>
+            </a:r>
+            <a:r>
+              <a:rPr lang="en-US" sz="2500" dirty="0" err="1" smtClean="0">
+                <a:solidFill>
+                  <a:schemeClr val="tx1"/>
+                </a:solidFill>
+                <a:latin typeface="Times New Roman" panose="02020603050405020304" pitchFamily="18" charset="0"/>
+                <a:cs typeface="Times New Roman" panose="02020603050405020304" pitchFamily="18" charset="0"/>
+              </a:rPr>
+              <a:t>trên</a:t>
+            </a:r>
+            <a:r>
+              <a:rPr lang="en-US" sz="2500" dirty="0" smtClean="0">
+                <a:solidFill>
+                  <a:schemeClr val="tx1"/>
+                </a:solidFill>
+                <a:latin typeface="Times New Roman" panose="02020603050405020304" pitchFamily="18" charset="0"/>
+                <a:cs typeface="Times New Roman" panose="02020603050405020304" pitchFamily="18" charset="0"/>
+              </a:rPr>
+              <a:t> </a:t>
+            </a:r>
+            <a:r>
+              <a:rPr lang="en-US" sz="2500" dirty="0" err="1" smtClean="0">
+                <a:solidFill>
+                  <a:schemeClr val="tx1"/>
+                </a:solidFill>
+                <a:latin typeface="Times New Roman" panose="02020603050405020304" pitchFamily="18" charset="0"/>
+                <a:cs typeface="Times New Roman" panose="02020603050405020304" pitchFamily="18" charset="0"/>
+              </a:rPr>
+              <a:t>bản</a:t>
+            </a:r>
+            <a:r>
+              <a:rPr lang="en-US" sz="2500" dirty="0" smtClean="0">
+                <a:solidFill>
+                  <a:schemeClr val="tx1"/>
+                </a:solidFill>
+                <a:latin typeface="Times New Roman" panose="02020603050405020304" pitchFamily="18" charset="0"/>
+                <a:cs typeface="Times New Roman" panose="02020603050405020304" pitchFamily="18" charset="0"/>
+              </a:rPr>
+              <a:t> </a:t>
+            </a:r>
+            <a:r>
+              <a:rPr lang="en-US" sz="2500" dirty="0" err="1" smtClean="0">
+                <a:solidFill>
+                  <a:schemeClr val="tx1"/>
+                </a:solidFill>
+                <a:latin typeface="Times New Roman" panose="02020603050405020304" pitchFamily="18" charset="0"/>
+                <a:cs typeface="Times New Roman" panose="02020603050405020304" pitchFamily="18" charset="0"/>
+              </a:rPr>
+              <a:t>đồ</a:t>
+            </a:r>
+            <a:r>
+              <a:rPr lang="en-US" sz="2500" dirty="0" smtClean="0">
+                <a:solidFill>
+                  <a:schemeClr val="tx1"/>
+                </a:solidFill>
+                <a:latin typeface="Times New Roman" panose="02020603050405020304" pitchFamily="18" charset="0"/>
+                <a:cs typeface="Times New Roman" panose="02020603050405020304" pitchFamily="18" charset="0"/>
+              </a:rPr>
+              <a:t>, </a:t>
+            </a:r>
+            <a:r>
+              <a:rPr lang="en-US" sz="2500" dirty="0" err="1" smtClean="0">
+                <a:solidFill>
+                  <a:schemeClr val="tx1"/>
+                </a:solidFill>
+                <a:latin typeface="Times New Roman" panose="02020603050405020304" pitchFamily="18" charset="0"/>
+                <a:cs typeface="Times New Roman" panose="02020603050405020304" pitchFamily="18" charset="0"/>
+              </a:rPr>
+              <a:t>chức</a:t>
+            </a:r>
+            <a:r>
+              <a:rPr lang="en-US" sz="2500" dirty="0" smtClean="0">
+                <a:solidFill>
+                  <a:schemeClr val="tx1"/>
+                </a:solidFill>
+                <a:latin typeface="Times New Roman" panose="02020603050405020304" pitchFamily="18" charset="0"/>
+                <a:cs typeface="Times New Roman" panose="02020603050405020304" pitchFamily="18" charset="0"/>
+              </a:rPr>
+              <a:t> </a:t>
+            </a:r>
+            <a:r>
+              <a:rPr lang="en-US" sz="2500" dirty="0" err="1" smtClean="0">
+                <a:solidFill>
+                  <a:schemeClr val="tx1"/>
+                </a:solidFill>
+                <a:latin typeface="Times New Roman" panose="02020603050405020304" pitchFamily="18" charset="0"/>
+                <a:cs typeface="Times New Roman" panose="02020603050405020304" pitchFamily="18" charset="0"/>
+              </a:rPr>
+              <a:t>năng</a:t>
+            </a:r>
+            <a:r>
+              <a:rPr lang="en-US" sz="2500" dirty="0" smtClean="0">
+                <a:solidFill>
+                  <a:schemeClr val="tx1"/>
+                </a:solidFill>
+                <a:latin typeface="Times New Roman" panose="02020603050405020304" pitchFamily="18" charset="0"/>
+                <a:cs typeface="Times New Roman" panose="02020603050405020304" pitchFamily="18" charset="0"/>
+              </a:rPr>
+              <a:t> </a:t>
+            </a:r>
+            <a:r>
+              <a:rPr lang="en-US" sz="2500" dirty="0" err="1" smtClean="0">
+                <a:solidFill>
+                  <a:schemeClr val="tx1"/>
+                </a:solidFill>
+                <a:latin typeface="Times New Roman" panose="02020603050405020304" pitchFamily="18" charset="0"/>
+                <a:cs typeface="Times New Roman" panose="02020603050405020304" pitchFamily="18" charset="0"/>
+              </a:rPr>
+              <a:t>hiển</a:t>
+            </a:r>
+            <a:r>
+              <a:rPr lang="en-US" sz="2500" dirty="0" smtClean="0">
+                <a:solidFill>
+                  <a:schemeClr val="tx1"/>
+                </a:solidFill>
+                <a:latin typeface="Times New Roman" panose="02020603050405020304" pitchFamily="18" charset="0"/>
+                <a:cs typeface="Times New Roman" panose="02020603050405020304" pitchFamily="18" charset="0"/>
+              </a:rPr>
+              <a:t> </a:t>
+            </a:r>
+            <a:r>
+              <a:rPr lang="en-US" sz="2500" dirty="0" err="1" smtClean="0">
+                <a:solidFill>
+                  <a:schemeClr val="tx1"/>
+                </a:solidFill>
+                <a:latin typeface="Times New Roman" panose="02020603050405020304" pitchFamily="18" charset="0"/>
+                <a:cs typeface="Times New Roman" panose="02020603050405020304" pitchFamily="18" charset="0"/>
+              </a:rPr>
+              <a:t>thị</a:t>
+            </a:r>
+            <a:r>
+              <a:rPr lang="en-US" sz="2500" dirty="0" smtClean="0">
+                <a:solidFill>
+                  <a:schemeClr val="tx1"/>
+                </a:solidFill>
+                <a:latin typeface="Times New Roman" panose="02020603050405020304" pitchFamily="18" charset="0"/>
+                <a:cs typeface="Times New Roman" panose="02020603050405020304" pitchFamily="18" charset="0"/>
+              </a:rPr>
+              <a:t> </a:t>
+            </a:r>
+            <a:r>
+              <a:rPr lang="en-US" sz="2500" dirty="0" err="1" smtClean="0">
+                <a:solidFill>
+                  <a:schemeClr val="tx1"/>
+                </a:solidFill>
+                <a:latin typeface="Times New Roman" panose="02020603050405020304" pitchFamily="18" charset="0"/>
+                <a:cs typeface="Times New Roman" panose="02020603050405020304" pitchFamily="18" charset="0"/>
+              </a:rPr>
+              <a:t>chỉ</a:t>
+            </a:r>
+            <a:r>
+              <a:rPr lang="en-US" sz="2500" dirty="0" smtClean="0">
+                <a:solidFill>
+                  <a:schemeClr val="tx1"/>
+                </a:solidFill>
+                <a:latin typeface="Times New Roman" panose="02020603050405020304" pitchFamily="18" charset="0"/>
+                <a:cs typeface="Times New Roman" panose="02020603050405020304" pitchFamily="18" charset="0"/>
+              </a:rPr>
+              <a:t> </a:t>
+            </a:r>
+            <a:r>
+              <a:rPr lang="en-US" sz="2500" dirty="0" err="1" smtClean="0">
+                <a:solidFill>
+                  <a:schemeClr val="tx1"/>
+                </a:solidFill>
+                <a:latin typeface="Times New Roman" panose="02020603050405020304" pitchFamily="18" charset="0"/>
+                <a:cs typeface="Times New Roman" panose="02020603050405020304" pitchFamily="18" charset="0"/>
+              </a:rPr>
+              <a:t>đường</a:t>
+            </a:r>
+            <a:r>
+              <a:rPr lang="en-US" sz="2500" dirty="0" smtClean="0">
+                <a:solidFill>
+                  <a:schemeClr val="tx1"/>
+                </a:solidFill>
+                <a:latin typeface="Times New Roman" panose="02020603050405020304" pitchFamily="18" charset="0"/>
+                <a:cs typeface="Times New Roman" panose="02020603050405020304" pitchFamily="18" charset="0"/>
+              </a:rPr>
+              <a:t> </a:t>
+            </a:r>
+            <a:r>
+              <a:rPr lang="en-US" sz="2500" dirty="0" err="1" smtClean="0">
+                <a:solidFill>
+                  <a:schemeClr val="tx1"/>
+                </a:solidFill>
+                <a:latin typeface="Times New Roman" panose="02020603050405020304" pitchFamily="18" charset="0"/>
+                <a:cs typeface="Times New Roman" panose="02020603050405020304" pitchFamily="18" charset="0"/>
+              </a:rPr>
+              <a:t>bằng</a:t>
+            </a:r>
+            <a:r>
+              <a:rPr lang="en-US" sz="2500" dirty="0" smtClean="0">
+                <a:solidFill>
+                  <a:schemeClr val="tx1"/>
+                </a:solidFill>
+                <a:latin typeface="Times New Roman" panose="02020603050405020304" pitchFamily="18" charset="0"/>
+                <a:cs typeface="Times New Roman" panose="02020603050405020304" pitchFamily="18" charset="0"/>
+              </a:rPr>
+              <a:t> </a:t>
+            </a:r>
+            <a:r>
+              <a:rPr lang="en-US" sz="2500" dirty="0" err="1" smtClean="0">
+                <a:solidFill>
+                  <a:schemeClr val="tx1"/>
+                </a:solidFill>
+                <a:latin typeface="Times New Roman" panose="02020603050405020304" pitchFamily="18" charset="0"/>
+                <a:cs typeface="Times New Roman" panose="02020603050405020304" pitchFamily="18" charset="0"/>
+              </a:rPr>
+              <a:t>bản</a:t>
+            </a:r>
+            <a:r>
+              <a:rPr lang="en-US" sz="2500" dirty="0" smtClean="0">
+                <a:solidFill>
+                  <a:schemeClr val="tx1"/>
+                </a:solidFill>
+                <a:latin typeface="Times New Roman" panose="02020603050405020304" pitchFamily="18" charset="0"/>
+                <a:cs typeface="Times New Roman" panose="02020603050405020304" pitchFamily="18" charset="0"/>
+              </a:rPr>
+              <a:t> </a:t>
+            </a:r>
+            <a:r>
+              <a:rPr lang="en-US" sz="2500" dirty="0" err="1" smtClean="0">
+                <a:solidFill>
+                  <a:schemeClr val="tx1"/>
+                </a:solidFill>
+                <a:latin typeface="Times New Roman" panose="02020603050405020304" pitchFamily="18" charset="0"/>
+                <a:cs typeface="Times New Roman" panose="02020603050405020304" pitchFamily="18" charset="0"/>
+              </a:rPr>
+              <a:t>đồ</a:t>
+            </a:r>
+            <a:r>
+              <a:rPr lang="en-US" sz="2500" dirty="0" smtClean="0">
+                <a:solidFill>
+                  <a:schemeClr val="tx1"/>
+                </a:solidFill>
+                <a:latin typeface="Times New Roman" panose="02020603050405020304" pitchFamily="18" charset="0"/>
+                <a:cs typeface="Times New Roman" panose="02020603050405020304" pitchFamily="18" charset="0"/>
+              </a:rPr>
+              <a:t>.</a:t>
+            </a:r>
+          </a:p>
+          <a:p>
+            <a:pPr lvl="1" algn="l"/>
+            <a:endParaRPr lang="en-US" sz="2500" dirty="0">
+              <a:solidFill>
+                <a:schemeClr val="tx1"/>
+              </a:solidFill>
+              <a:latin typeface="Times New Roman" panose="02020603050405020304" pitchFamily="18" charset="0"/>
+              <a:cs typeface="Times New Roman" panose="02020603050405020304" pitchFamily="18" charset="0"/>
+            </a:endParaRPr>
+          </a:p>
+        </p:txBody>
+      </p:sp>
+      <p:pic>
+        <p:nvPicPr>
+          <p:cNvPr id="4" name="Picture 3"/>
+          <p:cNvPicPr>
+            <a:picLocks noChangeAspect="1"/>
+          </p:cNvPicPr>
+          <p:nvPr/>
+        </p:nvPicPr>
+        <p:blipFill>
+          <a:blip r:embed="rId3">
+            <a:extLst>
+              <a:ext uri="{28A0092B-C50C-407E-A947-70E740481C1C}">
+                <a14:useLocalDpi xmlns:a14="http://schemas.microsoft.com/office/drawing/2010/main" val="0"/>
+              </a:ext>
+            </a:extLst>
+          </a:blip>
+          <a:stretch>
+            <a:fillRect/>
+          </a:stretch>
+        </p:blipFill>
+        <p:spPr>
+          <a:xfrm>
+            <a:off x="0" y="0"/>
+            <a:ext cx="1619476" cy="1619476"/>
+          </a:xfrm>
+          <a:prstGeom prst="rect">
+            <a:avLst/>
+          </a:prstGeom>
+        </p:spPr>
+      </p:pic>
+      <p:pic>
+        <p:nvPicPr>
+          <p:cNvPr id="6" name="Picture 5"/>
+          <p:cNvPicPr>
+            <a:picLocks noChangeAspect="1"/>
+          </p:cNvPicPr>
+          <p:nvPr/>
+        </p:nvPicPr>
+        <p:blipFill>
+          <a:blip r:embed="rId4">
+            <a:extLst>
+              <a:ext uri="{28A0092B-C50C-407E-A947-70E740481C1C}">
+                <a14:useLocalDpi xmlns:a14="http://schemas.microsoft.com/office/drawing/2010/main" val="0"/>
+              </a:ext>
+            </a:extLst>
+          </a:blip>
+          <a:stretch>
+            <a:fillRect/>
+          </a:stretch>
+        </p:blipFill>
+        <p:spPr>
+          <a:xfrm>
+            <a:off x="3060531" y="2881312"/>
+            <a:ext cx="6227847" cy="3808246"/>
+          </a:xfrm>
+          <a:prstGeom prst="rect">
+            <a:avLst/>
+          </a:prstGeom>
+        </p:spPr>
+      </p:pic>
+    </p:spTree>
+    <p:extLst>
+      <p:ext uri="{BB962C8B-B14F-4D97-AF65-F5344CB8AC3E}">
+        <p14:creationId xmlns:p14="http://schemas.microsoft.com/office/powerpoint/2010/main" val="100460766"/>
+      </p:ext>
+    </p:extLst>
+  </p:cSld>
+  <p:clrMapOvr>
+    <a:masterClrMapping/>
+  </p:clrMapOvr>
+  <p:timing>
+    <p:tnLst>
+      <p:par>
+        <p:cTn id="1" dur="indefinite" restart="never" nodeType="tmRoot"/>
+      </p:par>
+    </p:tnLst>
+  </p:timing>
+</p:sld>
+</file>
+
+<file path=ppt/slides/slide7.xml><?xml version="1.0" encoding="utf-8"?>
+<p:sld xmlns:a="http://schemas.openxmlformats.org/drawingml/2006/main" xmlns:r="http://schemas.openxmlformats.org/officeDocument/2006/relationships" xmlns:p="http://schemas.openxmlformats.org/presentationml/2006/main">
+  <p:cSld>
+    <p:spTree>
+      <p:nvGrpSpPr>
+        <p:cNvPr id="1" name=""/>
+        <p:cNvGrpSpPr/>
+        <p:nvPr/>
+      </p:nvGrpSpPr>
+      <p:grpSpPr>
+        <a:xfrm>
+          <a:off x="0" y="0"/>
+          <a:ext cx="0" cy="0"/>
+          <a:chOff x="0" y="0"/>
+          <a:chExt cx="0" cy="0"/>
+        </a:xfrm>
+      </p:grpSpPr>
+      <p:pic>
+        <p:nvPicPr>
+          <p:cNvPr id="7" name="Picture 6"/>
+          <p:cNvPicPr>
+            <a:picLocks noChangeAspect="1"/>
+          </p:cNvPicPr>
+          <p:nvPr/>
+        </p:nvPicPr>
+        <p:blipFill>
+          <a:blip r:embed="rId2">
+            <a:extLst>
+              <a:ext uri="{28A0092B-C50C-407E-A947-70E740481C1C}">
+                <a14:useLocalDpi xmlns:a14="http://schemas.microsoft.com/office/drawing/2010/main" val="0"/>
+              </a:ext>
+            </a:extLst>
+          </a:blip>
+          <a:stretch>
+            <a:fillRect/>
+          </a:stretch>
+        </p:blipFill>
+        <p:spPr>
+          <a:xfrm>
+            <a:off x="0" y="0"/>
+            <a:ext cx="12192000" cy="818147"/>
+          </a:xfrm>
+          <a:prstGeom prst="rect">
+            <a:avLst/>
+          </a:prstGeom>
+        </p:spPr>
+      </p:pic>
+      <p:sp>
+        <p:nvSpPr>
+          <p:cNvPr id="2" name="Title 1"/>
+          <p:cNvSpPr>
+            <a:spLocks noGrp="1"/>
+          </p:cNvSpPr>
+          <p:nvPr>
+            <p:ph type="ctrTitle"/>
+          </p:nvPr>
+        </p:nvSpPr>
+        <p:spPr>
+          <a:xfrm>
+            <a:off x="4191000" y="1"/>
+            <a:ext cx="8001000" cy="625642"/>
+          </a:xfrm>
+        </p:spPr>
+        <p:txBody>
+          <a:bodyPr>
+            <a:noAutofit/>
+          </a:bodyPr>
+          <a:lstStyle/>
+          <a:p>
+            <a:pPr algn="r"/>
+            <a:r>
+              <a:rPr lang="en-US" sz="3200" b="1" cap="none" dirty="0" err="1" smtClean="0">
+                <a:latin typeface="Times New Roman" panose="02020603050405020304" pitchFamily="18" charset="0"/>
+                <a:cs typeface="Times New Roman" panose="02020603050405020304" pitchFamily="18" charset="0"/>
+              </a:rPr>
+              <a:t>Hướng</a:t>
+            </a:r>
+            <a:r>
+              <a:rPr lang="en-US" sz="3200" b="1" cap="none" dirty="0" smtClean="0">
+                <a:latin typeface="Times New Roman" panose="02020603050405020304" pitchFamily="18" charset="0"/>
+                <a:cs typeface="Times New Roman" panose="02020603050405020304" pitchFamily="18" charset="0"/>
+              </a:rPr>
+              <a:t> </a:t>
+            </a:r>
+            <a:r>
+              <a:rPr lang="en-US" sz="3200" b="1" cap="none" dirty="0" err="1" smtClean="0">
+                <a:latin typeface="Times New Roman" panose="02020603050405020304" pitchFamily="18" charset="0"/>
+                <a:cs typeface="Times New Roman" panose="02020603050405020304" pitchFamily="18" charset="0"/>
+              </a:rPr>
+              <a:t>phát</a:t>
+            </a:r>
+            <a:r>
+              <a:rPr lang="en-US" sz="3200" b="1" cap="none" dirty="0" smtClean="0">
+                <a:latin typeface="Times New Roman" panose="02020603050405020304" pitchFamily="18" charset="0"/>
+                <a:cs typeface="Times New Roman" panose="02020603050405020304" pitchFamily="18" charset="0"/>
+              </a:rPr>
+              <a:t> </a:t>
+            </a:r>
+            <a:r>
+              <a:rPr lang="en-US" sz="3200" b="1" cap="none" dirty="0" err="1" smtClean="0">
+                <a:latin typeface="Times New Roman" panose="02020603050405020304" pitchFamily="18" charset="0"/>
+                <a:cs typeface="Times New Roman" panose="02020603050405020304" pitchFamily="18" charset="0"/>
+              </a:rPr>
+              <a:t>triển</a:t>
+            </a:r>
+            <a:endParaRPr lang="en-US" sz="3200" b="1" cap="none" dirty="0">
+              <a:latin typeface="Times New Roman" panose="02020603050405020304" pitchFamily="18" charset="0"/>
+              <a:cs typeface="Times New Roman" panose="02020603050405020304" pitchFamily="18" charset="0"/>
+            </a:endParaRPr>
+          </a:p>
+        </p:txBody>
+      </p:sp>
+      <p:sp>
+        <p:nvSpPr>
+          <p:cNvPr id="3" name="Subtitle 2"/>
+          <p:cNvSpPr>
+            <a:spLocks noGrp="1"/>
+          </p:cNvSpPr>
+          <p:nvPr>
+            <p:ph type="subTitle" idx="1"/>
+          </p:nvPr>
+        </p:nvSpPr>
+        <p:spPr>
+          <a:xfrm>
+            <a:off x="0" y="1619477"/>
+            <a:ext cx="12192000" cy="5238524"/>
+          </a:xfrm>
+        </p:spPr>
+        <p:txBody>
+          <a:bodyPr>
+            <a:normAutofit/>
+          </a:bodyPr>
+          <a:lstStyle/>
+          <a:p>
+            <a:r>
+              <a:rPr lang="en-US" sz="2800" dirty="0" err="1" smtClean="0">
+                <a:solidFill>
+                  <a:schemeClr val="tx1"/>
+                </a:solidFill>
+                <a:latin typeface="Times New Roman" panose="02020603050405020304" pitchFamily="18" charset="0"/>
+                <a:cs typeface="Times New Roman" panose="02020603050405020304" pitchFamily="18" charset="0"/>
+              </a:rPr>
+              <a:t>Đề</a:t>
+            </a:r>
+            <a:r>
+              <a:rPr lang="en-US" sz="2800" dirty="0" smtClean="0">
+                <a:solidFill>
+                  <a:schemeClr val="tx1"/>
+                </a:solidFill>
+                <a:latin typeface="Times New Roman" panose="02020603050405020304" pitchFamily="18" charset="0"/>
+                <a:cs typeface="Times New Roman" panose="02020603050405020304" pitchFamily="18" charset="0"/>
+              </a:rPr>
+              <a:t> </a:t>
+            </a:r>
+            <a:r>
+              <a:rPr lang="en-US" sz="2800" dirty="0" err="1" smtClean="0">
+                <a:solidFill>
+                  <a:schemeClr val="tx1"/>
+                </a:solidFill>
+                <a:latin typeface="Times New Roman" panose="02020603050405020304" pitchFamily="18" charset="0"/>
+                <a:cs typeface="Times New Roman" panose="02020603050405020304" pitchFamily="18" charset="0"/>
+              </a:rPr>
+              <a:t>xuất</a:t>
+            </a:r>
+            <a:r>
+              <a:rPr lang="en-US" sz="2800" dirty="0" smtClean="0">
+                <a:solidFill>
+                  <a:schemeClr val="tx1"/>
+                </a:solidFill>
+                <a:latin typeface="Times New Roman" panose="02020603050405020304" pitchFamily="18" charset="0"/>
+                <a:cs typeface="Times New Roman" panose="02020603050405020304" pitchFamily="18" charset="0"/>
+              </a:rPr>
+              <a:t> </a:t>
+            </a:r>
+            <a:r>
+              <a:rPr lang="en-US" sz="2800" dirty="0" err="1" smtClean="0">
+                <a:solidFill>
+                  <a:schemeClr val="tx1"/>
+                </a:solidFill>
+                <a:latin typeface="Times New Roman" panose="02020603050405020304" pitchFamily="18" charset="0"/>
+                <a:cs typeface="Times New Roman" panose="02020603050405020304" pitchFamily="18" charset="0"/>
+              </a:rPr>
+              <a:t>hướng</a:t>
+            </a:r>
+            <a:r>
+              <a:rPr lang="en-US" sz="2800" dirty="0" smtClean="0">
+                <a:solidFill>
+                  <a:schemeClr val="tx1"/>
+                </a:solidFill>
+                <a:latin typeface="Times New Roman" panose="02020603050405020304" pitchFamily="18" charset="0"/>
+                <a:cs typeface="Times New Roman" panose="02020603050405020304" pitchFamily="18" charset="0"/>
+              </a:rPr>
+              <a:t> </a:t>
+            </a:r>
+            <a:r>
+              <a:rPr lang="en-US" sz="2800" dirty="0" err="1" smtClean="0">
+                <a:solidFill>
+                  <a:schemeClr val="tx1"/>
+                </a:solidFill>
+                <a:latin typeface="Times New Roman" panose="02020603050405020304" pitchFamily="18" charset="0"/>
+                <a:cs typeface="Times New Roman" panose="02020603050405020304" pitchFamily="18" charset="0"/>
+              </a:rPr>
+              <a:t>phát</a:t>
+            </a:r>
+            <a:r>
+              <a:rPr lang="en-US" sz="2800" dirty="0" smtClean="0">
+                <a:solidFill>
+                  <a:schemeClr val="tx1"/>
+                </a:solidFill>
+                <a:latin typeface="Times New Roman" panose="02020603050405020304" pitchFamily="18" charset="0"/>
+                <a:cs typeface="Times New Roman" panose="02020603050405020304" pitchFamily="18" charset="0"/>
+              </a:rPr>
+              <a:t> </a:t>
+            </a:r>
+            <a:r>
+              <a:rPr lang="en-US" sz="2800" dirty="0" err="1" smtClean="0">
+                <a:solidFill>
+                  <a:schemeClr val="tx1"/>
+                </a:solidFill>
+                <a:latin typeface="Times New Roman" panose="02020603050405020304" pitchFamily="18" charset="0"/>
+                <a:cs typeface="Times New Roman" panose="02020603050405020304" pitchFamily="18" charset="0"/>
+              </a:rPr>
+              <a:t>triển</a:t>
+            </a:r>
+            <a:r>
+              <a:rPr lang="en-US" sz="2800" dirty="0" smtClean="0">
+                <a:solidFill>
+                  <a:schemeClr val="tx1"/>
+                </a:solidFill>
+                <a:latin typeface="Times New Roman" panose="02020603050405020304" pitchFamily="18" charset="0"/>
+                <a:cs typeface="Times New Roman" panose="02020603050405020304" pitchFamily="18" charset="0"/>
+              </a:rPr>
+              <a:t>:</a:t>
+            </a:r>
+          </a:p>
+          <a:p>
+            <a:pPr marL="914400" lvl="1" indent="-457200" algn="l">
+              <a:buFont typeface="Times New Roman" panose="02020603050405020304" pitchFamily="18" charset="0"/>
+              <a:buChar char="‾"/>
+            </a:pPr>
+            <a:r>
+              <a:rPr lang="en-US" sz="2500" dirty="0" err="1" smtClean="0">
+                <a:solidFill>
+                  <a:schemeClr val="tx1"/>
+                </a:solidFill>
+                <a:latin typeface="Times New Roman" panose="02020603050405020304" pitchFamily="18" charset="0"/>
+                <a:cs typeface="Times New Roman" panose="02020603050405020304" pitchFamily="18" charset="0"/>
+              </a:rPr>
+              <a:t>Thay</a:t>
+            </a:r>
+            <a:r>
+              <a:rPr lang="en-US" sz="2500" dirty="0" smtClean="0">
+                <a:solidFill>
+                  <a:schemeClr val="tx1"/>
+                </a:solidFill>
+                <a:latin typeface="Times New Roman" panose="02020603050405020304" pitchFamily="18" charset="0"/>
+                <a:cs typeface="Times New Roman" panose="02020603050405020304" pitchFamily="18" charset="0"/>
+              </a:rPr>
+              <a:t> </a:t>
+            </a:r>
+            <a:r>
+              <a:rPr lang="en-US" sz="2500" dirty="0" err="1" smtClean="0">
+                <a:solidFill>
+                  <a:schemeClr val="tx1"/>
+                </a:solidFill>
+                <a:latin typeface="Times New Roman" panose="02020603050405020304" pitchFamily="18" charset="0"/>
+                <a:cs typeface="Times New Roman" panose="02020603050405020304" pitchFamily="18" charset="0"/>
+              </a:rPr>
+              <a:t>đổi</a:t>
+            </a:r>
+            <a:r>
+              <a:rPr lang="en-US" sz="2500" dirty="0" smtClean="0">
+                <a:solidFill>
+                  <a:schemeClr val="tx1"/>
+                </a:solidFill>
+                <a:latin typeface="Times New Roman" panose="02020603050405020304" pitchFamily="18" charset="0"/>
+                <a:cs typeface="Times New Roman" panose="02020603050405020304" pitchFamily="18" charset="0"/>
+              </a:rPr>
+              <a:t> </a:t>
+            </a:r>
+            <a:r>
+              <a:rPr lang="en-US" sz="2500" dirty="0" err="1" smtClean="0">
+                <a:solidFill>
+                  <a:schemeClr val="tx1"/>
+                </a:solidFill>
+                <a:latin typeface="Times New Roman" panose="02020603050405020304" pitchFamily="18" charset="0"/>
+                <a:cs typeface="Times New Roman" panose="02020603050405020304" pitchFamily="18" charset="0"/>
+              </a:rPr>
+              <a:t>thiết</a:t>
+            </a:r>
+            <a:r>
+              <a:rPr lang="en-US" sz="2500" dirty="0" smtClean="0">
+                <a:solidFill>
+                  <a:schemeClr val="tx1"/>
+                </a:solidFill>
+                <a:latin typeface="Times New Roman" panose="02020603050405020304" pitchFamily="18" charset="0"/>
+                <a:cs typeface="Times New Roman" panose="02020603050405020304" pitchFamily="18" charset="0"/>
+              </a:rPr>
+              <a:t> </a:t>
+            </a:r>
+            <a:r>
+              <a:rPr lang="en-US" sz="2500" dirty="0" err="1" smtClean="0">
+                <a:solidFill>
+                  <a:schemeClr val="tx1"/>
+                </a:solidFill>
+                <a:latin typeface="Times New Roman" panose="02020603050405020304" pitchFamily="18" charset="0"/>
+                <a:cs typeface="Times New Roman" panose="02020603050405020304" pitchFamily="18" charset="0"/>
+              </a:rPr>
+              <a:t>kế</a:t>
+            </a:r>
+            <a:r>
+              <a:rPr lang="en-US" sz="2500" dirty="0" smtClean="0">
+                <a:solidFill>
+                  <a:schemeClr val="tx1"/>
+                </a:solidFill>
+                <a:latin typeface="Times New Roman" panose="02020603050405020304" pitchFamily="18" charset="0"/>
+                <a:cs typeface="Times New Roman" panose="02020603050405020304" pitchFamily="18" charset="0"/>
+              </a:rPr>
+              <a:t> </a:t>
+            </a:r>
+            <a:r>
+              <a:rPr lang="en-US" sz="2500" dirty="0" err="1" smtClean="0">
+                <a:solidFill>
+                  <a:schemeClr val="tx1"/>
+                </a:solidFill>
+                <a:latin typeface="Times New Roman" panose="02020603050405020304" pitchFamily="18" charset="0"/>
+                <a:cs typeface="Times New Roman" panose="02020603050405020304" pitchFamily="18" charset="0"/>
+              </a:rPr>
+              <a:t>cơ</a:t>
+            </a:r>
+            <a:r>
+              <a:rPr lang="en-US" sz="2500" dirty="0" smtClean="0">
+                <a:solidFill>
+                  <a:schemeClr val="tx1"/>
+                </a:solidFill>
+                <a:latin typeface="Times New Roman" panose="02020603050405020304" pitchFamily="18" charset="0"/>
+                <a:cs typeface="Times New Roman" panose="02020603050405020304" pitchFamily="18" charset="0"/>
+              </a:rPr>
+              <a:t> </a:t>
+            </a:r>
+            <a:r>
+              <a:rPr lang="en-US" sz="2500" dirty="0" err="1" smtClean="0">
+                <a:solidFill>
+                  <a:schemeClr val="tx1"/>
+                </a:solidFill>
+                <a:latin typeface="Times New Roman" panose="02020603050405020304" pitchFamily="18" charset="0"/>
+                <a:cs typeface="Times New Roman" panose="02020603050405020304" pitchFamily="18" charset="0"/>
+              </a:rPr>
+              <a:t>sở</a:t>
+            </a:r>
+            <a:r>
+              <a:rPr lang="en-US" sz="2500" dirty="0" smtClean="0">
+                <a:solidFill>
+                  <a:schemeClr val="tx1"/>
+                </a:solidFill>
+                <a:latin typeface="Times New Roman" panose="02020603050405020304" pitchFamily="18" charset="0"/>
+                <a:cs typeface="Times New Roman" panose="02020603050405020304" pitchFamily="18" charset="0"/>
+              </a:rPr>
+              <a:t> </a:t>
+            </a:r>
+            <a:r>
+              <a:rPr lang="en-US" sz="2500" dirty="0" err="1" smtClean="0">
+                <a:solidFill>
+                  <a:schemeClr val="tx1"/>
+                </a:solidFill>
+                <a:latin typeface="Times New Roman" panose="02020603050405020304" pitchFamily="18" charset="0"/>
+                <a:cs typeface="Times New Roman" panose="02020603050405020304" pitchFamily="18" charset="0"/>
+              </a:rPr>
+              <a:t>dữ</a:t>
+            </a:r>
+            <a:r>
+              <a:rPr lang="en-US" sz="2500" dirty="0" smtClean="0">
+                <a:solidFill>
+                  <a:schemeClr val="tx1"/>
+                </a:solidFill>
+                <a:latin typeface="Times New Roman" panose="02020603050405020304" pitchFamily="18" charset="0"/>
+                <a:cs typeface="Times New Roman" panose="02020603050405020304" pitchFamily="18" charset="0"/>
+              </a:rPr>
+              <a:t> </a:t>
+            </a:r>
+            <a:r>
+              <a:rPr lang="en-US" sz="2500" dirty="0" err="1" smtClean="0">
+                <a:solidFill>
+                  <a:schemeClr val="tx1"/>
+                </a:solidFill>
+                <a:latin typeface="Times New Roman" panose="02020603050405020304" pitchFamily="18" charset="0"/>
+                <a:cs typeface="Times New Roman" panose="02020603050405020304" pitchFamily="18" charset="0"/>
+              </a:rPr>
+              <a:t>liệu</a:t>
+            </a:r>
+            <a:r>
+              <a:rPr lang="en-US" sz="2500" dirty="0" smtClean="0">
+                <a:solidFill>
+                  <a:schemeClr val="tx1"/>
+                </a:solidFill>
+                <a:latin typeface="Times New Roman" panose="02020603050405020304" pitchFamily="18" charset="0"/>
+                <a:cs typeface="Times New Roman" panose="02020603050405020304" pitchFamily="18" charset="0"/>
+              </a:rPr>
+              <a:t> </a:t>
+            </a:r>
+            <a:r>
+              <a:rPr lang="en-US" sz="2500" dirty="0" err="1" smtClean="0">
+                <a:solidFill>
+                  <a:schemeClr val="tx1"/>
+                </a:solidFill>
+                <a:latin typeface="Times New Roman" panose="02020603050405020304" pitchFamily="18" charset="0"/>
+                <a:cs typeface="Times New Roman" panose="02020603050405020304" pitchFamily="18" charset="0"/>
+              </a:rPr>
+              <a:t>để</a:t>
+            </a:r>
+            <a:r>
+              <a:rPr lang="en-US" sz="2500" dirty="0" smtClean="0">
+                <a:solidFill>
+                  <a:schemeClr val="tx1"/>
+                </a:solidFill>
+                <a:latin typeface="Times New Roman" panose="02020603050405020304" pitchFamily="18" charset="0"/>
+                <a:cs typeface="Times New Roman" panose="02020603050405020304" pitchFamily="18" charset="0"/>
+              </a:rPr>
+              <a:t> </a:t>
+            </a:r>
+            <a:r>
+              <a:rPr lang="en-US" sz="2500" dirty="0" err="1" smtClean="0">
+                <a:solidFill>
+                  <a:schemeClr val="tx1"/>
+                </a:solidFill>
+                <a:latin typeface="Times New Roman" panose="02020603050405020304" pitchFamily="18" charset="0"/>
+                <a:cs typeface="Times New Roman" panose="02020603050405020304" pitchFamily="18" charset="0"/>
+              </a:rPr>
+              <a:t>mở</a:t>
+            </a:r>
+            <a:r>
+              <a:rPr lang="en-US" sz="2500" dirty="0" smtClean="0">
+                <a:solidFill>
+                  <a:schemeClr val="tx1"/>
+                </a:solidFill>
+                <a:latin typeface="Times New Roman" panose="02020603050405020304" pitchFamily="18" charset="0"/>
+                <a:cs typeface="Times New Roman" panose="02020603050405020304" pitchFamily="18" charset="0"/>
+              </a:rPr>
+              <a:t> </a:t>
+            </a:r>
+            <a:r>
+              <a:rPr lang="en-US" sz="2500" dirty="0" err="1" smtClean="0">
+                <a:solidFill>
+                  <a:schemeClr val="tx1"/>
+                </a:solidFill>
+                <a:latin typeface="Times New Roman" panose="02020603050405020304" pitchFamily="18" charset="0"/>
+                <a:cs typeface="Times New Roman" panose="02020603050405020304" pitchFamily="18" charset="0"/>
+              </a:rPr>
+              <a:t>rộng</a:t>
+            </a:r>
+            <a:r>
+              <a:rPr lang="en-US" sz="2500" dirty="0" smtClean="0">
+                <a:solidFill>
+                  <a:schemeClr val="tx1"/>
+                </a:solidFill>
+                <a:latin typeface="Times New Roman" panose="02020603050405020304" pitchFamily="18" charset="0"/>
+                <a:cs typeface="Times New Roman" panose="02020603050405020304" pitchFamily="18" charset="0"/>
+              </a:rPr>
+              <a:t> </a:t>
+            </a:r>
+            <a:r>
+              <a:rPr lang="en-US" sz="2500" dirty="0" err="1" smtClean="0">
+                <a:solidFill>
+                  <a:schemeClr val="tx1"/>
+                </a:solidFill>
+                <a:latin typeface="Times New Roman" panose="02020603050405020304" pitchFamily="18" charset="0"/>
+                <a:cs typeface="Times New Roman" panose="02020603050405020304" pitchFamily="18" charset="0"/>
+              </a:rPr>
+              <a:t>phần</a:t>
+            </a:r>
+            <a:r>
+              <a:rPr lang="en-US" sz="2500" dirty="0" smtClean="0">
+                <a:solidFill>
+                  <a:schemeClr val="tx1"/>
+                </a:solidFill>
+                <a:latin typeface="Times New Roman" panose="02020603050405020304" pitchFamily="18" charset="0"/>
+                <a:cs typeface="Times New Roman" panose="02020603050405020304" pitchFamily="18" charset="0"/>
+              </a:rPr>
+              <a:t> </a:t>
+            </a:r>
+            <a:r>
+              <a:rPr lang="en-US" sz="2500" dirty="0" err="1" smtClean="0">
+                <a:solidFill>
+                  <a:schemeClr val="tx1"/>
+                </a:solidFill>
+                <a:latin typeface="Times New Roman" panose="02020603050405020304" pitchFamily="18" charset="0"/>
+                <a:cs typeface="Times New Roman" panose="02020603050405020304" pitchFamily="18" charset="0"/>
+              </a:rPr>
+              <a:t>mềm</a:t>
+            </a:r>
+            <a:r>
+              <a:rPr lang="en-US" sz="2500" dirty="0" smtClean="0">
+                <a:solidFill>
+                  <a:schemeClr val="tx1"/>
+                </a:solidFill>
+                <a:latin typeface="Times New Roman" panose="02020603050405020304" pitchFamily="18" charset="0"/>
+                <a:cs typeface="Times New Roman" panose="02020603050405020304" pitchFamily="18" charset="0"/>
+              </a:rPr>
+              <a:t>.</a:t>
+            </a:r>
+          </a:p>
+          <a:p>
+            <a:pPr marL="914400" lvl="1" indent="-457200" algn="l">
+              <a:buFont typeface="Times New Roman" panose="02020603050405020304" pitchFamily="18" charset="0"/>
+              <a:buChar char="‾"/>
+            </a:pPr>
+            <a:r>
+              <a:rPr lang="en-US" sz="2500" dirty="0" err="1" smtClean="0">
+                <a:solidFill>
+                  <a:schemeClr val="tx1"/>
+                </a:solidFill>
+                <a:latin typeface="Times New Roman" panose="02020603050405020304" pitchFamily="18" charset="0"/>
+                <a:cs typeface="Times New Roman" panose="02020603050405020304" pitchFamily="18" charset="0"/>
+              </a:rPr>
+              <a:t>Thiết</a:t>
+            </a:r>
+            <a:r>
+              <a:rPr lang="en-US" sz="2500" dirty="0" smtClean="0">
+                <a:solidFill>
+                  <a:schemeClr val="tx1"/>
+                </a:solidFill>
+                <a:latin typeface="Times New Roman" panose="02020603050405020304" pitchFamily="18" charset="0"/>
+                <a:cs typeface="Times New Roman" panose="02020603050405020304" pitchFamily="18" charset="0"/>
+              </a:rPr>
+              <a:t> </a:t>
+            </a:r>
+            <a:r>
+              <a:rPr lang="en-US" sz="2500" dirty="0" err="1" smtClean="0">
+                <a:solidFill>
+                  <a:schemeClr val="tx1"/>
+                </a:solidFill>
+                <a:latin typeface="Times New Roman" panose="02020603050405020304" pitchFamily="18" charset="0"/>
+                <a:cs typeface="Times New Roman" panose="02020603050405020304" pitchFamily="18" charset="0"/>
+              </a:rPr>
+              <a:t>kế</a:t>
+            </a:r>
+            <a:r>
+              <a:rPr lang="en-US" sz="2500" dirty="0" smtClean="0">
+                <a:solidFill>
+                  <a:schemeClr val="tx1"/>
+                </a:solidFill>
+                <a:latin typeface="Times New Roman" panose="02020603050405020304" pitchFamily="18" charset="0"/>
+                <a:cs typeface="Times New Roman" panose="02020603050405020304" pitchFamily="18" charset="0"/>
+              </a:rPr>
+              <a:t> </a:t>
+            </a:r>
+            <a:r>
+              <a:rPr lang="en-US" sz="2500" dirty="0" err="1" smtClean="0">
+                <a:solidFill>
+                  <a:schemeClr val="tx1"/>
+                </a:solidFill>
+                <a:latin typeface="Times New Roman" panose="02020603050405020304" pitchFamily="18" charset="0"/>
+                <a:cs typeface="Times New Roman" panose="02020603050405020304" pitchFamily="18" charset="0"/>
+              </a:rPr>
+              <a:t>tương</a:t>
+            </a:r>
+            <a:r>
+              <a:rPr lang="en-US" sz="2500" dirty="0" smtClean="0">
+                <a:solidFill>
+                  <a:schemeClr val="tx1"/>
+                </a:solidFill>
+                <a:latin typeface="Times New Roman" panose="02020603050405020304" pitchFamily="18" charset="0"/>
+                <a:cs typeface="Times New Roman" panose="02020603050405020304" pitchFamily="18" charset="0"/>
+              </a:rPr>
+              <a:t> </a:t>
+            </a:r>
+            <a:r>
+              <a:rPr lang="en-US" sz="2500" dirty="0" err="1" smtClean="0">
+                <a:solidFill>
+                  <a:schemeClr val="tx1"/>
+                </a:solidFill>
+                <a:latin typeface="Times New Roman" panose="02020603050405020304" pitchFamily="18" charset="0"/>
+                <a:cs typeface="Times New Roman" panose="02020603050405020304" pitchFamily="18" charset="0"/>
+              </a:rPr>
+              <a:t>tác</a:t>
+            </a:r>
+            <a:r>
+              <a:rPr lang="en-US" sz="2500" dirty="0" smtClean="0">
+                <a:solidFill>
+                  <a:schemeClr val="tx1"/>
+                </a:solidFill>
+                <a:latin typeface="Times New Roman" panose="02020603050405020304" pitchFamily="18" charset="0"/>
+                <a:cs typeface="Times New Roman" panose="02020603050405020304" pitchFamily="18" charset="0"/>
+              </a:rPr>
+              <a:t> </a:t>
+            </a:r>
+            <a:r>
+              <a:rPr lang="en-US" sz="2500" dirty="0" err="1" smtClean="0">
+                <a:solidFill>
+                  <a:schemeClr val="tx1"/>
+                </a:solidFill>
+                <a:latin typeface="Times New Roman" panose="02020603050405020304" pitchFamily="18" charset="0"/>
+                <a:cs typeface="Times New Roman" panose="02020603050405020304" pitchFamily="18" charset="0"/>
+              </a:rPr>
+              <a:t>với</a:t>
+            </a:r>
+            <a:r>
+              <a:rPr lang="en-US" sz="2500" dirty="0" smtClean="0">
+                <a:solidFill>
+                  <a:schemeClr val="tx1"/>
+                </a:solidFill>
+                <a:latin typeface="Times New Roman" panose="02020603050405020304" pitchFamily="18" charset="0"/>
+                <a:cs typeface="Times New Roman" panose="02020603050405020304" pitchFamily="18" charset="0"/>
+              </a:rPr>
+              <a:t> </a:t>
+            </a:r>
+            <a:r>
+              <a:rPr lang="en-US" sz="2500" dirty="0" err="1" smtClean="0">
+                <a:solidFill>
+                  <a:schemeClr val="tx1"/>
+                </a:solidFill>
+                <a:latin typeface="Times New Roman" panose="02020603050405020304" pitchFamily="18" charset="0"/>
+                <a:cs typeface="Times New Roman" panose="02020603050405020304" pitchFamily="18" charset="0"/>
+              </a:rPr>
+              <a:t>thiết</a:t>
+            </a:r>
+            <a:r>
+              <a:rPr lang="en-US" sz="2500" dirty="0" smtClean="0">
+                <a:solidFill>
+                  <a:schemeClr val="tx1"/>
+                </a:solidFill>
+                <a:latin typeface="Times New Roman" panose="02020603050405020304" pitchFamily="18" charset="0"/>
+                <a:cs typeface="Times New Roman" panose="02020603050405020304" pitchFamily="18" charset="0"/>
+              </a:rPr>
+              <a:t> </a:t>
+            </a:r>
+            <a:r>
+              <a:rPr lang="en-US" sz="2500" dirty="0" err="1" smtClean="0">
+                <a:solidFill>
+                  <a:schemeClr val="tx1"/>
+                </a:solidFill>
+                <a:latin typeface="Times New Roman" panose="02020603050405020304" pitchFamily="18" charset="0"/>
+                <a:cs typeface="Times New Roman" panose="02020603050405020304" pitchFamily="18" charset="0"/>
+              </a:rPr>
+              <a:t>bị</a:t>
+            </a:r>
+            <a:r>
+              <a:rPr lang="en-US" sz="2500" dirty="0" smtClean="0">
+                <a:solidFill>
+                  <a:schemeClr val="tx1"/>
+                </a:solidFill>
+                <a:latin typeface="Times New Roman" panose="02020603050405020304" pitchFamily="18" charset="0"/>
+                <a:cs typeface="Times New Roman" panose="02020603050405020304" pitchFamily="18" charset="0"/>
+              </a:rPr>
+              <a:t> di </a:t>
+            </a:r>
+            <a:r>
+              <a:rPr lang="en-US" sz="2500" dirty="0" err="1" smtClean="0">
+                <a:solidFill>
+                  <a:schemeClr val="tx1"/>
+                </a:solidFill>
+                <a:latin typeface="Times New Roman" panose="02020603050405020304" pitchFamily="18" charset="0"/>
+                <a:cs typeface="Times New Roman" panose="02020603050405020304" pitchFamily="18" charset="0"/>
+              </a:rPr>
+              <a:t>động</a:t>
+            </a:r>
+            <a:r>
+              <a:rPr lang="en-US" sz="2500" dirty="0" smtClean="0">
+                <a:solidFill>
+                  <a:schemeClr val="tx1"/>
+                </a:solidFill>
+                <a:latin typeface="Times New Roman" panose="02020603050405020304" pitchFamily="18" charset="0"/>
+                <a:cs typeface="Times New Roman" panose="02020603050405020304" pitchFamily="18" charset="0"/>
+              </a:rPr>
+              <a:t>.</a:t>
+            </a:r>
+          </a:p>
+          <a:p>
+            <a:pPr lvl="1" algn="l"/>
+            <a:endParaRPr lang="en-US" sz="2500" dirty="0" smtClean="0">
+              <a:solidFill>
+                <a:schemeClr val="tx1"/>
+              </a:solidFill>
+              <a:latin typeface="Times New Roman" panose="02020603050405020304" pitchFamily="18" charset="0"/>
+              <a:cs typeface="Times New Roman" panose="02020603050405020304" pitchFamily="18" charset="0"/>
+            </a:endParaRPr>
+          </a:p>
+        </p:txBody>
+      </p:sp>
+      <p:pic>
+        <p:nvPicPr>
+          <p:cNvPr id="4" name="Picture 3"/>
+          <p:cNvPicPr>
+            <a:picLocks noChangeAspect="1"/>
+          </p:cNvPicPr>
+          <p:nvPr/>
+        </p:nvPicPr>
+        <p:blipFill>
+          <a:blip r:embed="rId3">
+            <a:extLst>
+              <a:ext uri="{28A0092B-C50C-407E-A947-70E740481C1C}">
+                <a14:useLocalDpi xmlns:a14="http://schemas.microsoft.com/office/drawing/2010/main" val="0"/>
+              </a:ext>
+            </a:extLst>
+          </a:blip>
+          <a:stretch>
+            <a:fillRect/>
+          </a:stretch>
+        </p:blipFill>
+        <p:spPr>
+          <a:xfrm>
+            <a:off x="0" y="0"/>
+            <a:ext cx="1619476" cy="1619476"/>
+          </a:xfrm>
+          <a:prstGeom prst="rect">
+            <a:avLst/>
+          </a:prstGeom>
+        </p:spPr>
+      </p:pic>
+      <p:pic>
+        <p:nvPicPr>
+          <p:cNvPr id="5" name="Picture 4"/>
+          <p:cNvPicPr>
+            <a:picLocks noChangeAspect="1"/>
+          </p:cNvPicPr>
+          <p:nvPr/>
+        </p:nvPicPr>
+        <p:blipFill>
+          <a:blip r:embed="rId4">
+            <a:extLst>
+              <a:ext uri="{28A0092B-C50C-407E-A947-70E740481C1C}">
+                <a14:useLocalDpi xmlns:a14="http://schemas.microsoft.com/office/drawing/2010/main" val="0"/>
+              </a:ext>
+            </a:extLst>
+          </a:blip>
+          <a:stretch>
+            <a:fillRect/>
+          </a:stretch>
+        </p:blipFill>
+        <p:spPr>
+          <a:xfrm>
+            <a:off x="6264442" y="3022934"/>
+            <a:ext cx="5597091" cy="3498182"/>
+          </a:xfrm>
+          <a:prstGeom prst="rect">
+            <a:avLst/>
+          </a:prstGeom>
+        </p:spPr>
+      </p:pic>
+    </p:spTree>
+    <p:extLst>
+      <p:ext uri="{BB962C8B-B14F-4D97-AF65-F5344CB8AC3E}">
+        <p14:creationId xmlns:p14="http://schemas.microsoft.com/office/powerpoint/2010/main" val="1318413627"/>
+      </p:ext>
+    </p:extLst>
+  </p:cSld>
+  <p:clrMapOvr>
+    <a:masterClrMapping/>
+  </p:clrMapOvr>
+  <p:timing>
+    <p:tnLst>
+      <p:par>
+        <p:cTn id="1" dur="indefinite" restart="never" nodeType="tmRoot"/>
+      </p:par>
+    </p:tnLst>
+  </p:timing>
+</p:sld>
+</file>
+
+<file path=ppt/slides/slide8.xml><?xml version="1.0" encoding="utf-8"?>
+<p:sld xmlns:a="http://schemas.openxmlformats.org/drawingml/2006/main" xmlns:r="http://schemas.openxmlformats.org/officeDocument/2006/relationships" xmlns:p="http://schemas.openxmlformats.org/presentationml/2006/main">
+  <p:cSld>
+    <p:spTree>
+      <p:nvGrpSpPr>
+        <p:cNvPr id="1" name=""/>
+        <p:cNvGrpSpPr/>
+        <p:nvPr/>
+      </p:nvGrpSpPr>
+      <p:grpSpPr>
+        <a:xfrm>
+          <a:off x="0" y="0"/>
+          <a:ext cx="0" cy="0"/>
+          <a:chOff x="0" y="0"/>
+          <a:chExt cx="0" cy="0"/>
+        </a:xfrm>
+      </p:grpSpPr>
+      <p:pic>
+        <p:nvPicPr>
+          <p:cNvPr id="6" name="Picture 5"/>
+          <p:cNvPicPr>
+            <a:picLocks noChangeAspect="1"/>
+          </p:cNvPicPr>
+          <p:nvPr/>
+        </p:nvPicPr>
+        <p:blipFill>
+          <a:blip r:embed="rId2">
+            <a:extLst>
+              <a:ext uri="{28A0092B-C50C-407E-A947-70E740481C1C}">
+                <a14:useLocalDpi xmlns:a14="http://schemas.microsoft.com/office/drawing/2010/main" val="0"/>
+              </a:ext>
+            </a:extLst>
+          </a:blip>
+          <a:stretch>
+            <a:fillRect/>
+          </a:stretch>
+        </p:blipFill>
+        <p:spPr>
+          <a:xfrm>
+            <a:off x="0" y="0"/>
+            <a:ext cx="12192000" cy="818147"/>
+          </a:xfrm>
+          <a:prstGeom prst="rect">
+            <a:avLst/>
+          </a:prstGeom>
+        </p:spPr>
+      </p:pic>
+      <p:sp>
+        <p:nvSpPr>
+          <p:cNvPr id="2" name="Title 1"/>
+          <p:cNvSpPr>
+            <a:spLocks noGrp="1"/>
+          </p:cNvSpPr>
+          <p:nvPr>
+            <p:ph type="ctrTitle"/>
+          </p:nvPr>
+        </p:nvSpPr>
+        <p:spPr>
+          <a:xfrm>
+            <a:off x="4191000" y="1"/>
+            <a:ext cx="8001000" cy="625642"/>
+          </a:xfrm>
+        </p:spPr>
+        <p:txBody>
+          <a:bodyPr>
+            <a:noAutofit/>
+          </a:bodyPr>
+          <a:lstStyle/>
+          <a:p>
+            <a:pPr algn="r"/>
+            <a:r>
+              <a:rPr lang="en-US" sz="3600" b="1" dirty="0" smtClean="0">
+                <a:latin typeface="Times New Roman" panose="02020603050405020304" pitchFamily="18" charset="0"/>
+                <a:cs typeface="Times New Roman" panose="02020603050405020304" pitchFamily="18" charset="0"/>
+              </a:rPr>
+              <a:t>DEMO</a:t>
+            </a:r>
+            <a:endParaRPr lang="en-US" sz="3600" b="1" dirty="0">
+              <a:latin typeface="Times New Roman" panose="02020603050405020304" pitchFamily="18" charset="0"/>
+              <a:cs typeface="Times New Roman" panose="02020603050405020304" pitchFamily="18" charset="0"/>
+            </a:endParaRPr>
+          </a:p>
+        </p:txBody>
+      </p:sp>
+      <p:sp>
+        <p:nvSpPr>
+          <p:cNvPr id="3" name="Subtitle 2"/>
+          <p:cNvSpPr>
+            <a:spLocks noGrp="1"/>
+          </p:cNvSpPr>
+          <p:nvPr>
+            <p:ph type="subTitle" idx="1"/>
+          </p:nvPr>
+        </p:nvSpPr>
+        <p:spPr>
+          <a:xfrm>
+            <a:off x="0" y="2135383"/>
+            <a:ext cx="12192000" cy="4722617"/>
+          </a:xfrm>
+        </p:spPr>
+        <p:txBody>
+          <a:bodyPr>
+            <a:normAutofit/>
+          </a:bodyPr>
+          <a:lstStyle/>
+          <a:p>
+            <a:pPr marL="342900" indent="-342900">
+              <a:buFont typeface="Wingdings" panose="05000000000000000000" pitchFamily="2" charset="2"/>
+              <a:buChar char="Ø"/>
+            </a:pPr>
+            <a:r>
+              <a:rPr lang="en-US" sz="3200" b="1" smtClean="0">
+                <a:solidFill>
+                  <a:schemeClr val="tx1"/>
+                </a:solidFill>
+                <a:latin typeface="Times New Roman" panose="02020603050405020304" pitchFamily="18" charset="0"/>
+                <a:cs typeface="Times New Roman" panose="02020603050405020304" pitchFamily="18" charset="0"/>
+              </a:rPr>
+              <a:t>Demo </a:t>
+            </a:r>
+            <a:r>
+              <a:rPr lang="en-US" sz="3200" b="1" dirty="0" err="1" smtClean="0">
+                <a:solidFill>
+                  <a:schemeClr val="tx1"/>
+                </a:solidFill>
+                <a:latin typeface="Times New Roman" panose="02020603050405020304" pitchFamily="18" charset="0"/>
+                <a:cs typeface="Times New Roman" panose="02020603050405020304" pitchFamily="18" charset="0"/>
+              </a:rPr>
+              <a:t>chức</a:t>
+            </a:r>
+            <a:r>
+              <a:rPr lang="en-US" sz="3200" b="1" dirty="0" smtClean="0">
+                <a:solidFill>
+                  <a:schemeClr val="tx1"/>
+                </a:solidFill>
+                <a:latin typeface="Times New Roman" panose="02020603050405020304" pitchFamily="18" charset="0"/>
+                <a:cs typeface="Times New Roman" panose="02020603050405020304" pitchFamily="18" charset="0"/>
+              </a:rPr>
+              <a:t> </a:t>
+            </a:r>
+            <a:r>
+              <a:rPr lang="en-US" sz="3200" b="1" dirty="0" err="1" smtClean="0">
+                <a:solidFill>
+                  <a:schemeClr val="tx1"/>
+                </a:solidFill>
+                <a:latin typeface="Times New Roman" panose="02020603050405020304" pitchFamily="18" charset="0"/>
+                <a:cs typeface="Times New Roman" panose="02020603050405020304" pitchFamily="18" charset="0"/>
+              </a:rPr>
+              <a:t>năng</a:t>
+            </a:r>
+            <a:r>
+              <a:rPr lang="en-US" sz="3200" b="1" dirty="0" smtClean="0">
+                <a:solidFill>
+                  <a:schemeClr val="tx1"/>
+                </a:solidFill>
+                <a:latin typeface="Times New Roman" panose="02020603050405020304" pitchFamily="18" charset="0"/>
+                <a:cs typeface="Times New Roman" panose="02020603050405020304" pitchFamily="18" charset="0"/>
+              </a:rPr>
+              <a:t> website</a:t>
+            </a:r>
+          </a:p>
+          <a:p>
+            <a:pPr marL="342900" indent="-342900">
+              <a:buFont typeface="Wingdings" panose="05000000000000000000" pitchFamily="2" charset="2"/>
+              <a:buChar char="Ø"/>
+            </a:pPr>
+            <a:r>
+              <a:rPr lang="en-US" sz="3200" b="1" dirty="0" smtClean="0">
+                <a:solidFill>
+                  <a:schemeClr val="tx1"/>
+                </a:solidFill>
+                <a:latin typeface="Times New Roman" panose="02020603050405020304" pitchFamily="18" charset="0"/>
+                <a:cs typeface="Times New Roman" panose="02020603050405020304" pitchFamily="18" charset="0"/>
+              </a:rPr>
+              <a:t>Demo </a:t>
+            </a:r>
+            <a:r>
+              <a:rPr lang="en-US" sz="3200" b="1" dirty="0" err="1" smtClean="0">
+                <a:solidFill>
+                  <a:schemeClr val="tx1"/>
+                </a:solidFill>
+                <a:latin typeface="Times New Roman" panose="02020603050405020304" pitchFamily="18" charset="0"/>
+                <a:cs typeface="Times New Roman" panose="02020603050405020304" pitchFamily="18" charset="0"/>
+              </a:rPr>
+              <a:t>kiểm</a:t>
+            </a:r>
+            <a:r>
+              <a:rPr lang="en-US" sz="3200" b="1" dirty="0" smtClean="0">
+                <a:solidFill>
+                  <a:schemeClr val="tx1"/>
+                </a:solidFill>
+                <a:latin typeface="Times New Roman" panose="02020603050405020304" pitchFamily="18" charset="0"/>
+                <a:cs typeface="Times New Roman" panose="02020603050405020304" pitchFamily="18" charset="0"/>
+              </a:rPr>
+              <a:t> </a:t>
+            </a:r>
+            <a:r>
+              <a:rPr lang="en-US" sz="3200" b="1" dirty="0" err="1" smtClean="0">
+                <a:solidFill>
+                  <a:schemeClr val="tx1"/>
+                </a:solidFill>
+                <a:latin typeface="Times New Roman" panose="02020603050405020304" pitchFamily="18" charset="0"/>
+                <a:cs typeface="Times New Roman" panose="02020603050405020304" pitchFamily="18" charset="0"/>
+              </a:rPr>
+              <a:t>thử</a:t>
+            </a:r>
+            <a:r>
+              <a:rPr lang="en-US" sz="3200" b="1" dirty="0" smtClean="0">
+                <a:solidFill>
+                  <a:schemeClr val="tx1"/>
+                </a:solidFill>
+                <a:latin typeface="Times New Roman" panose="02020603050405020304" pitchFamily="18" charset="0"/>
+                <a:cs typeface="Times New Roman" panose="02020603050405020304" pitchFamily="18" charset="0"/>
+              </a:rPr>
+              <a:t> </a:t>
+            </a:r>
+            <a:r>
+              <a:rPr lang="en-US" sz="3200" b="1" dirty="0" err="1" smtClean="0">
+                <a:solidFill>
+                  <a:schemeClr val="tx1"/>
+                </a:solidFill>
+                <a:latin typeface="Times New Roman" panose="02020603050405020304" pitchFamily="18" charset="0"/>
+                <a:cs typeface="Times New Roman" panose="02020603050405020304" pitchFamily="18" charset="0"/>
+              </a:rPr>
+              <a:t>chức</a:t>
+            </a:r>
+            <a:r>
+              <a:rPr lang="en-US" sz="3200" b="1" dirty="0" smtClean="0">
+                <a:solidFill>
+                  <a:schemeClr val="tx1"/>
+                </a:solidFill>
+                <a:latin typeface="Times New Roman" panose="02020603050405020304" pitchFamily="18" charset="0"/>
+                <a:cs typeface="Times New Roman" panose="02020603050405020304" pitchFamily="18" charset="0"/>
+              </a:rPr>
+              <a:t> </a:t>
+            </a:r>
+            <a:r>
+              <a:rPr lang="en-US" sz="3200" b="1" dirty="0" err="1" smtClean="0">
+                <a:solidFill>
+                  <a:schemeClr val="tx1"/>
+                </a:solidFill>
+                <a:latin typeface="Times New Roman" panose="02020603050405020304" pitchFamily="18" charset="0"/>
+                <a:cs typeface="Times New Roman" panose="02020603050405020304" pitchFamily="18" charset="0"/>
+              </a:rPr>
+              <a:t>năng</a:t>
+            </a:r>
+            <a:r>
+              <a:rPr lang="en-US" sz="3200" b="1" dirty="0" smtClean="0">
+                <a:solidFill>
+                  <a:schemeClr val="tx1"/>
+                </a:solidFill>
+                <a:latin typeface="Times New Roman" panose="02020603050405020304" pitchFamily="18" charset="0"/>
+                <a:cs typeface="Times New Roman" panose="02020603050405020304" pitchFamily="18" charset="0"/>
+              </a:rPr>
+              <a:t> </a:t>
+            </a:r>
+            <a:r>
+              <a:rPr lang="en-US" sz="3200" b="1" dirty="0" err="1" smtClean="0">
+                <a:solidFill>
+                  <a:schemeClr val="tx1"/>
+                </a:solidFill>
+                <a:latin typeface="Times New Roman" panose="02020603050405020304" pitchFamily="18" charset="0"/>
+                <a:cs typeface="Times New Roman" panose="02020603050405020304" pitchFamily="18" charset="0"/>
+              </a:rPr>
+              <a:t>với</a:t>
+            </a:r>
+            <a:r>
+              <a:rPr lang="en-US" sz="3200" b="1" dirty="0" smtClean="0">
+                <a:solidFill>
+                  <a:schemeClr val="tx1"/>
+                </a:solidFill>
+                <a:latin typeface="Times New Roman" panose="02020603050405020304" pitchFamily="18" charset="0"/>
+                <a:cs typeface="Times New Roman" panose="02020603050405020304" pitchFamily="18" charset="0"/>
+              </a:rPr>
+              <a:t> QTP</a:t>
+            </a:r>
+            <a:endParaRPr lang="en-US" sz="3200" b="1" dirty="0">
+              <a:solidFill>
+                <a:schemeClr val="tx1"/>
+              </a:solidFill>
+              <a:latin typeface="Times New Roman" panose="02020603050405020304" pitchFamily="18" charset="0"/>
+              <a:cs typeface="Times New Roman" panose="02020603050405020304" pitchFamily="18" charset="0"/>
+            </a:endParaRPr>
+          </a:p>
+        </p:txBody>
+      </p:sp>
+      <p:pic>
+        <p:nvPicPr>
+          <p:cNvPr id="4" name="Picture 3"/>
+          <p:cNvPicPr>
+            <a:picLocks noChangeAspect="1"/>
+          </p:cNvPicPr>
+          <p:nvPr/>
+        </p:nvPicPr>
+        <p:blipFill>
+          <a:blip r:embed="rId3">
+            <a:extLst>
+              <a:ext uri="{28A0092B-C50C-407E-A947-70E740481C1C}">
+                <a14:useLocalDpi xmlns:a14="http://schemas.microsoft.com/office/drawing/2010/main" val="0"/>
+              </a:ext>
+            </a:extLst>
+          </a:blip>
+          <a:stretch>
+            <a:fillRect/>
+          </a:stretch>
+        </p:blipFill>
+        <p:spPr>
+          <a:xfrm>
+            <a:off x="0" y="0"/>
+            <a:ext cx="1619476" cy="1619476"/>
+          </a:xfrm>
+          <a:prstGeom prst="rect">
+            <a:avLst/>
+          </a:prstGeom>
+        </p:spPr>
+      </p:pic>
+    </p:spTree>
+    <p:extLst>
+      <p:ext uri="{BB962C8B-B14F-4D97-AF65-F5344CB8AC3E}">
+        <p14:creationId xmlns:p14="http://schemas.microsoft.com/office/powerpoint/2010/main" val="3441403402"/>
       </p:ext>
     </p:extLst>
   </p:cSld>
